--- a/Docs/InterimVivaReferences.pptx
+++ b/Docs/InterimVivaReferences.pptx
@@ -5,27 +5,17 @@
     <p:sldMasterId id="2147483648" r:id="rId1"/>
   </p:sldMasterIdLst>
   <p:sldIdLst>
-    <p:sldId id="257" r:id="rId2"/>
-    <p:sldId id="258" r:id="rId3"/>
-    <p:sldId id="259" r:id="rId4"/>
-    <p:sldId id="260" r:id="rId5"/>
-    <p:sldId id="261" r:id="rId6"/>
-    <p:sldId id="262" r:id="rId7"/>
-    <p:sldId id="263" r:id="rId8"/>
-    <p:sldId id="276" r:id="rId9"/>
-    <p:sldId id="264" r:id="rId10"/>
-    <p:sldId id="265" r:id="rId11"/>
-    <p:sldId id="267" r:id="rId12"/>
-    <p:sldId id="266" r:id="rId13"/>
-    <p:sldId id="278" r:id="rId14"/>
-    <p:sldId id="277" r:id="rId15"/>
-    <p:sldId id="268" r:id="rId16"/>
-    <p:sldId id="270" r:id="rId17"/>
-    <p:sldId id="273" r:id="rId18"/>
-    <p:sldId id="274" r:id="rId19"/>
-    <p:sldId id="275" r:id="rId20"/>
-    <p:sldId id="269" r:id="rId21"/>
-    <p:sldId id="271" r:id="rId22"/>
+    <p:sldId id="259" r:id="rId2"/>
+    <p:sldId id="260" r:id="rId3"/>
+    <p:sldId id="261" r:id="rId4"/>
+    <p:sldId id="262" r:id="rId5"/>
+    <p:sldId id="263" r:id="rId6"/>
+    <p:sldId id="276" r:id="rId7"/>
+    <p:sldId id="265" r:id="rId8"/>
+    <p:sldId id="267" r:id="rId9"/>
+    <p:sldId id="278" r:id="rId10"/>
+    <p:sldId id="277" r:id="rId11"/>
+    <p:sldId id="270" r:id="rId12"/>
   </p:sldIdLst>
   <p:sldSz cx="12192000" cy="6858000"/>
   <p:notesSz cx="6865938" cy="9998075"/>
@@ -281,7 +271,7 @@
           <a:p>
             <a:fld id="{19D408E2-4341-46CC-918E-D0A0ABD5F618}" type="datetimeFigureOut">
               <a:rPr lang="en-AU" smtClean="0"/>
-              <a:t>3/06/2019</a:t>
+              <a:t>6/06/2019</a:t>
             </a:fld>
             <a:endParaRPr lang="en-AU"/>
           </a:p>
@@ -481,7 +471,7 @@
           <a:p>
             <a:fld id="{19D408E2-4341-46CC-918E-D0A0ABD5F618}" type="datetimeFigureOut">
               <a:rPr lang="en-AU" smtClean="0"/>
-              <a:t>3/06/2019</a:t>
+              <a:t>6/06/2019</a:t>
             </a:fld>
             <a:endParaRPr lang="en-AU"/>
           </a:p>
@@ -691,7 +681,7 @@
           <a:p>
             <a:fld id="{19D408E2-4341-46CC-918E-D0A0ABD5F618}" type="datetimeFigureOut">
               <a:rPr lang="en-AU" smtClean="0"/>
-              <a:t>3/06/2019</a:t>
+              <a:t>6/06/2019</a:t>
             </a:fld>
             <a:endParaRPr lang="en-AU"/>
           </a:p>
@@ -891,7 +881,7 @@
           <a:p>
             <a:fld id="{19D408E2-4341-46CC-918E-D0A0ABD5F618}" type="datetimeFigureOut">
               <a:rPr lang="en-AU" smtClean="0"/>
-              <a:t>3/06/2019</a:t>
+              <a:t>6/06/2019</a:t>
             </a:fld>
             <a:endParaRPr lang="en-AU"/>
           </a:p>
@@ -1167,7 +1157,7 @@
           <a:p>
             <a:fld id="{19D408E2-4341-46CC-918E-D0A0ABD5F618}" type="datetimeFigureOut">
               <a:rPr lang="en-AU" smtClean="0"/>
-              <a:t>3/06/2019</a:t>
+              <a:t>6/06/2019</a:t>
             </a:fld>
             <a:endParaRPr lang="en-AU"/>
           </a:p>
@@ -1435,7 +1425,7 @@
           <a:p>
             <a:fld id="{19D408E2-4341-46CC-918E-D0A0ABD5F618}" type="datetimeFigureOut">
               <a:rPr lang="en-AU" smtClean="0"/>
-              <a:t>3/06/2019</a:t>
+              <a:t>6/06/2019</a:t>
             </a:fld>
             <a:endParaRPr lang="en-AU"/>
           </a:p>
@@ -1850,7 +1840,7 @@
           <a:p>
             <a:fld id="{19D408E2-4341-46CC-918E-D0A0ABD5F618}" type="datetimeFigureOut">
               <a:rPr lang="en-AU" smtClean="0"/>
-              <a:t>3/06/2019</a:t>
+              <a:t>6/06/2019</a:t>
             </a:fld>
             <a:endParaRPr lang="en-AU"/>
           </a:p>
@@ -1992,7 +1982,7 @@
           <a:p>
             <a:fld id="{19D408E2-4341-46CC-918E-D0A0ABD5F618}" type="datetimeFigureOut">
               <a:rPr lang="en-AU" smtClean="0"/>
-              <a:t>3/06/2019</a:t>
+              <a:t>6/06/2019</a:t>
             </a:fld>
             <a:endParaRPr lang="en-AU"/>
           </a:p>
@@ -2105,7 +2095,7 @@
           <a:p>
             <a:fld id="{19D408E2-4341-46CC-918E-D0A0ABD5F618}" type="datetimeFigureOut">
               <a:rPr lang="en-AU" smtClean="0"/>
-              <a:t>3/06/2019</a:t>
+              <a:t>6/06/2019</a:t>
             </a:fld>
             <a:endParaRPr lang="en-AU"/>
           </a:p>
@@ -2418,7 +2408,7 @@
           <a:p>
             <a:fld id="{19D408E2-4341-46CC-918E-D0A0ABD5F618}" type="datetimeFigureOut">
               <a:rPr lang="en-AU" smtClean="0"/>
-              <a:t>3/06/2019</a:t>
+              <a:t>6/06/2019</a:t>
             </a:fld>
             <a:endParaRPr lang="en-AU"/>
           </a:p>
@@ -2707,7 +2697,7 @@
           <a:p>
             <a:fld id="{19D408E2-4341-46CC-918E-D0A0ABD5F618}" type="datetimeFigureOut">
               <a:rPr lang="en-AU" smtClean="0"/>
-              <a:t>3/06/2019</a:t>
+              <a:t>6/06/2019</a:t>
             </a:fld>
             <a:endParaRPr lang="en-AU"/>
           </a:p>
@@ -2950,7 +2940,7 @@
           <a:p>
             <a:fld id="{19D408E2-4341-46CC-918E-D0A0ABD5F618}" type="datetimeFigureOut">
               <a:rPr lang="en-AU" smtClean="0"/>
-              <a:t>3/06/2019</a:t>
+              <a:t>6/06/2019</a:t>
             </a:fld>
             <a:endParaRPr lang="en-AU"/>
           </a:p>
@@ -3383,25 +3373,77 @@
             <p:ph idx="1"/>
           </p:nvPr>
         </p:nvSpPr>
-        <p:spPr/>
+        <p:spPr>
+          <a:xfrm>
+            <a:off x="1115037" y="3612480"/>
+            <a:ext cx="10515600" cy="4351338"/>
+          </a:xfrm>
+        </p:spPr>
         <p:txBody>
           <a:bodyPr/>
           <a:lstStyle/>
           <a:p>
-            <a:r>
-              <a:rPr lang="pt-BR" dirty="0"/>
-              <a:t>(Sim, Python, IPC, output etc)</a:t>
-            </a:r>
-            <a:endParaRPr lang="en-AU" dirty="0"/>
-          </a:p>
-        </p:txBody>
-      </p:sp>
-      <p:sp>
-        <p:nvSpPr>
-          <p:cNvPr id="4" name="Title 1">
-            <a:extLst>
-              <a:ext uri="{FF2B5EF4-FFF2-40B4-BE49-F238E27FC236}">
-                <a16:creationId xmlns:a16="http://schemas.microsoft.com/office/drawing/2014/main" id="{DE3F64FD-C428-4C3F-8AE7-2A325973CD9C}"/>
+            <a:pPr marL="0" indent="0">
+              <a:buNone/>
+            </a:pPr>
+            <a:r>
+              <a:rPr lang="en-AU" dirty="0"/>
+              <a:t>(R,G,B,</a:t>
+            </a:r>
+            <a:r>
+              <a:rPr lang="en-AU" i="1" dirty="0"/>
+              <a:t>A</a:t>
+            </a:r>
+            <a:r>
+              <a:rPr lang="en-AU" dirty="0"/>
+              <a:t>)</a:t>
+            </a:r>
+            <a:endParaRPr lang="en-AU" i="1" dirty="0"/>
+          </a:p>
+        </p:txBody>
+      </p:sp>
+      <p:pic>
+        <p:nvPicPr>
+          <p:cNvPr id="5" name="Picture 4" descr="A screenshot of a cell phone&#10;&#10;Description automatically generated">
+            <a:extLst>
+              <a:ext uri="{FF2B5EF4-FFF2-40B4-BE49-F238E27FC236}">
+                <a16:creationId xmlns:a16="http://schemas.microsoft.com/office/drawing/2014/main" id="{7200D08A-DAD1-45F0-BA37-0EAD6897D655}"/>
+              </a:ext>
+            </a:extLst>
+          </p:cNvPr>
+          <p:cNvPicPr>
+            <a:picLocks noChangeAspect="1"/>
+          </p:cNvPicPr>
+          <p:nvPr/>
+        </p:nvPicPr>
+        <p:blipFill>
+          <a:blip r:embed="rId2">
+            <a:extLst>
+              <a:ext uri="{28A0092B-C50C-407E-A947-70E740481C1C}">
+                <a14:useLocalDpi xmlns:a14="http://schemas.microsoft.com/office/drawing/2010/main" val="0"/>
+              </a:ext>
+            </a:extLst>
+          </a:blip>
+          <a:stretch>
+            <a:fillRect/>
+          </a:stretch>
+        </p:blipFill>
+        <p:spPr>
+          <a:xfrm>
+            <a:off x="2654967" y="1526797"/>
+            <a:ext cx="9394989" cy="5193550"/>
+          </a:xfrm>
+          <a:prstGeom prst="rect">
+            <a:avLst/>
+          </a:prstGeom>
+        </p:spPr>
+      </p:pic>
+      <p:sp>
+        <p:nvSpPr>
+          <p:cNvPr id="8" name="Title 1">
+            <a:extLst>
+              <a:ext uri="{FF2B5EF4-FFF2-40B4-BE49-F238E27FC236}">
+                <a16:creationId xmlns:a16="http://schemas.microsoft.com/office/drawing/2014/main" id="{A997FCAC-812E-4A33-A8DA-89A94F13CC8D}"/>
               </a:ext>
             </a:extLst>
           </p:cNvPr>
@@ -3446,7 +3488,7 @@
             <a:pPr algn="ctr"/>
             <a:r>
               <a:rPr lang="en-AU" b="1" dirty="0"/>
-              <a:t>Overview</a:t>
+              <a:t>Image Representation</a:t>
             </a:r>
           </a:p>
         </p:txBody>
@@ -3454,7 +3496,7 @@
     </p:spTree>
     <p:extLst>
       <p:ext uri="{BB962C8B-B14F-4D97-AF65-F5344CB8AC3E}">
-        <p14:creationId xmlns:p14="http://schemas.microsoft.com/office/powerpoint/2010/main" val="3975661205"/>
+        <p14:creationId xmlns:p14="http://schemas.microsoft.com/office/powerpoint/2010/main" val="3123889588"/>
       </p:ext>
     </p:extLst>
   </p:cSld>
@@ -3483,70 +3525,423 @@
       </p:grpSpPr>
       <p:sp>
         <p:nvSpPr>
-          <p:cNvPr id="3" name="Content Placeholder 2">
-            <a:extLst>
-              <a:ext uri="{FF2B5EF4-FFF2-40B4-BE49-F238E27FC236}">
-                <a16:creationId xmlns:a16="http://schemas.microsoft.com/office/drawing/2014/main" id="{64BCBB61-B5D8-4497-8560-B6AF17D4DD94}"/>
-              </a:ext>
-            </a:extLst>
-          </p:cNvPr>
-          <p:cNvSpPr>
-            <a:spLocks noGrp="1"/>
-          </p:cNvSpPr>
-          <p:nvPr>
-            <p:ph idx="1"/>
-          </p:nvPr>
-        </p:nvSpPr>
-        <p:spPr/>
-        <p:txBody>
-          <a:bodyPr/>
+          <p:cNvPr id="2" name="TextBox 1">
+            <a:extLst>
+              <a:ext uri="{FF2B5EF4-FFF2-40B4-BE49-F238E27FC236}">
+                <a16:creationId xmlns:a16="http://schemas.microsoft.com/office/drawing/2014/main" id="{0C888D65-87C0-432B-B064-938A76A8DE93}"/>
+              </a:ext>
+            </a:extLst>
+          </p:cNvPr>
+          <p:cNvSpPr txBox="1"/>
+          <p:nvPr/>
+        </p:nvSpPr>
+        <p:spPr>
+          <a:xfrm>
+            <a:off x="2919368" y="2667698"/>
+            <a:ext cx="8548381" cy="369332"/>
+          </a:xfrm>
+          <a:prstGeom prst="rect">
+            <a:avLst/>
+          </a:prstGeom>
+          <a:noFill/>
+        </p:spPr>
+        <p:txBody>
+          <a:bodyPr wrap="square" rtlCol="0">
+            <a:spAutoFit/>
+          </a:bodyPr>
           <a:lstStyle/>
           <a:p>
             <a:endParaRPr lang="en-AU" dirty="0"/>
           </a:p>
-          <a:p>
-            <a:r>
-              <a:rPr lang="en-AU" dirty="0"/>
-              <a:t>Image Histogram</a:t>
-            </a:r>
-          </a:p>
-          <a:p>
-            <a:endParaRPr lang="en-AU" dirty="0"/>
-          </a:p>
-          <a:p>
-            <a:endParaRPr lang="en-AU" dirty="0"/>
-          </a:p>
-          <a:p>
-            <a:r>
-              <a:rPr lang="en-AU" dirty="0"/>
-              <a:t>Demo</a:t>
-            </a:r>
-          </a:p>
-          <a:p>
-            <a:pPr lvl="1"/>
-            <a:r>
-              <a:rPr lang="en-AU" dirty="0">
-                <a:hlinkClick r:id="rId2"/>
-              </a:rPr>
-              <a:t>https://www.youtube.com/watch?v=vO35EfVdNkM</a:t>
-            </a:r>
-            <a:endParaRPr lang="en-AU" dirty="0"/>
-          </a:p>
-          <a:p>
-            <a:r>
-              <a:rPr lang="en-AU" dirty="0"/>
-              <a:t>Probability</a:t>
-            </a:r>
-          </a:p>
-          <a:p>
-            <a:pPr lvl="1"/>
-            <a:r>
-              <a:rPr lang="en-AU" dirty="0">
-                <a:hlinkClick r:id="rId3"/>
-              </a:rPr>
-              <a:t>https://www.youtube.com/watch?v=BfRE_dGd14c</a:t>
-            </a:r>
-            <a:endParaRPr lang="en-AU" dirty="0"/>
+        </p:txBody>
+      </p:sp>
+      <p:pic>
+        <p:nvPicPr>
+          <p:cNvPr id="7" name="Picture 6">
+            <a:extLst>
+              <a:ext uri="{FF2B5EF4-FFF2-40B4-BE49-F238E27FC236}">
+                <a16:creationId xmlns:a16="http://schemas.microsoft.com/office/drawing/2014/main" id="{60075A60-55A7-4299-BB55-C1D036ED03AB}"/>
+              </a:ext>
+            </a:extLst>
+          </p:cNvPr>
+          <p:cNvPicPr>
+            <a:picLocks noChangeAspect="1"/>
+          </p:cNvPicPr>
+          <p:nvPr/>
+        </p:nvPicPr>
+        <p:blipFill>
+          <a:blip r:embed="rId2"/>
+          <a:stretch>
+            <a:fillRect/>
+          </a:stretch>
+        </p:blipFill>
+        <p:spPr>
+          <a:xfrm>
+            <a:off x="0" y="635000"/>
+            <a:ext cx="12192000" cy="6223000"/>
+          </a:xfrm>
+          <a:prstGeom prst="rect">
+            <a:avLst/>
+          </a:prstGeom>
+        </p:spPr>
+      </p:pic>
+      <p:sp>
+        <p:nvSpPr>
+          <p:cNvPr id="9" name="Rectangle 8">
+            <a:extLst>
+              <a:ext uri="{FF2B5EF4-FFF2-40B4-BE49-F238E27FC236}">
+                <a16:creationId xmlns:a16="http://schemas.microsoft.com/office/drawing/2014/main" id="{68E48838-3E3B-417F-8E99-A9AA21F96B43}"/>
+              </a:ext>
+            </a:extLst>
+          </p:cNvPr>
+          <p:cNvSpPr/>
+          <p:nvPr/>
+        </p:nvSpPr>
+        <p:spPr>
+          <a:xfrm>
+            <a:off x="67112" y="3137483"/>
+            <a:ext cx="9219501" cy="117445"/>
+          </a:xfrm>
+          <a:prstGeom prst="rect">
+            <a:avLst/>
+          </a:prstGeom>
+          <a:solidFill>
+            <a:srgbClr val="FACD0E">
+              <a:alpha val="50196"/>
+            </a:srgbClr>
+          </a:solidFill>
+          <a:ln>
+            <a:noFill/>
+          </a:ln>
+        </p:spPr>
+        <p:style>
+          <a:lnRef idx="2">
+            <a:schemeClr val="accent1">
+              <a:shade val="50000"/>
+            </a:schemeClr>
+          </a:lnRef>
+          <a:fillRef idx="1">
+            <a:schemeClr val="accent1"/>
+          </a:fillRef>
+          <a:effectRef idx="0">
+            <a:schemeClr val="accent1"/>
+          </a:effectRef>
+          <a:fontRef idx="minor">
+            <a:schemeClr val="lt1"/>
+          </a:fontRef>
+        </p:style>
+        <p:txBody>
+          <a:bodyPr rtlCol="0" anchor="ctr"/>
+          <a:lstStyle/>
+          <a:p>
+            <a:pPr algn="ctr"/>
+            <a:endParaRPr lang="en-AU"/>
+          </a:p>
+        </p:txBody>
+      </p:sp>
+      <p:sp>
+        <p:nvSpPr>
+          <p:cNvPr id="11" name="Rectangle 10">
+            <a:extLst>
+              <a:ext uri="{FF2B5EF4-FFF2-40B4-BE49-F238E27FC236}">
+                <a16:creationId xmlns:a16="http://schemas.microsoft.com/office/drawing/2014/main" id="{87DE2C37-DFB3-459F-A7A0-672680C98081}"/>
+              </a:ext>
+            </a:extLst>
+          </p:cNvPr>
+          <p:cNvSpPr/>
+          <p:nvPr/>
+        </p:nvSpPr>
+        <p:spPr>
+          <a:xfrm>
+            <a:off x="83890" y="4562427"/>
+            <a:ext cx="9219501" cy="117445"/>
+          </a:xfrm>
+          <a:prstGeom prst="rect">
+            <a:avLst/>
+          </a:prstGeom>
+          <a:solidFill>
+            <a:srgbClr val="FACD0E">
+              <a:alpha val="50196"/>
+            </a:srgbClr>
+          </a:solidFill>
+          <a:ln>
+            <a:noFill/>
+          </a:ln>
+        </p:spPr>
+        <p:style>
+          <a:lnRef idx="2">
+            <a:schemeClr val="accent1">
+              <a:shade val="50000"/>
+            </a:schemeClr>
+          </a:lnRef>
+          <a:fillRef idx="1">
+            <a:schemeClr val="accent1"/>
+          </a:fillRef>
+          <a:effectRef idx="0">
+            <a:schemeClr val="accent1"/>
+          </a:effectRef>
+          <a:fontRef idx="minor">
+            <a:schemeClr val="lt1"/>
+          </a:fontRef>
+        </p:style>
+        <p:txBody>
+          <a:bodyPr rtlCol="0" anchor="ctr"/>
+          <a:lstStyle/>
+          <a:p>
+            <a:pPr algn="ctr"/>
+            <a:endParaRPr lang="en-AU"/>
+          </a:p>
+        </p:txBody>
+      </p:sp>
+      <p:sp>
+        <p:nvSpPr>
+          <p:cNvPr id="14" name="Rectangle 13">
+            <a:extLst>
+              <a:ext uri="{FF2B5EF4-FFF2-40B4-BE49-F238E27FC236}">
+                <a16:creationId xmlns:a16="http://schemas.microsoft.com/office/drawing/2014/main" id="{60ED6611-8651-4DA9-8222-E84AAE5B6999}"/>
+              </a:ext>
+            </a:extLst>
+          </p:cNvPr>
+          <p:cNvSpPr/>
+          <p:nvPr/>
+        </p:nvSpPr>
+        <p:spPr>
+          <a:xfrm>
+            <a:off x="83890" y="3862537"/>
+            <a:ext cx="1795245" cy="117445"/>
+          </a:xfrm>
+          <a:prstGeom prst="rect">
+            <a:avLst/>
+          </a:prstGeom>
+          <a:noFill/>
+          <a:ln>
+            <a:solidFill>
+              <a:schemeClr val="tx1"/>
+            </a:solidFill>
+          </a:ln>
+        </p:spPr>
+        <p:style>
+          <a:lnRef idx="2">
+            <a:schemeClr val="accent1">
+              <a:shade val="50000"/>
+            </a:schemeClr>
+          </a:lnRef>
+          <a:fillRef idx="1">
+            <a:schemeClr val="accent1"/>
+          </a:fillRef>
+          <a:effectRef idx="0">
+            <a:schemeClr val="accent1"/>
+          </a:effectRef>
+          <a:fontRef idx="minor">
+            <a:schemeClr val="lt1"/>
+          </a:fontRef>
+        </p:style>
+        <p:txBody>
+          <a:bodyPr rtlCol="0" anchor="ctr"/>
+          <a:lstStyle/>
+          <a:p>
+            <a:pPr algn="ctr"/>
+            <a:endParaRPr lang="en-AU"/>
+          </a:p>
+        </p:txBody>
+      </p:sp>
+      <p:sp>
+        <p:nvSpPr>
+          <p:cNvPr id="15" name="Rectangle 14">
+            <a:extLst>
+              <a:ext uri="{FF2B5EF4-FFF2-40B4-BE49-F238E27FC236}">
+                <a16:creationId xmlns:a16="http://schemas.microsoft.com/office/drawing/2014/main" id="{A6B40330-1159-4955-8512-913B951FD493}"/>
+              </a:ext>
+            </a:extLst>
+          </p:cNvPr>
+          <p:cNvSpPr/>
+          <p:nvPr/>
+        </p:nvSpPr>
+        <p:spPr>
+          <a:xfrm>
+            <a:off x="83889" y="4805492"/>
+            <a:ext cx="1795245" cy="117445"/>
+          </a:xfrm>
+          <a:prstGeom prst="rect">
+            <a:avLst/>
+          </a:prstGeom>
+          <a:noFill/>
+          <a:ln>
+            <a:solidFill>
+              <a:schemeClr val="tx1"/>
+            </a:solidFill>
+          </a:ln>
+        </p:spPr>
+        <p:style>
+          <a:lnRef idx="2">
+            <a:schemeClr val="accent1">
+              <a:shade val="50000"/>
+            </a:schemeClr>
+          </a:lnRef>
+          <a:fillRef idx="1">
+            <a:schemeClr val="accent1"/>
+          </a:fillRef>
+          <a:effectRef idx="0">
+            <a:schemeClr val="accent1"/>
+          </a:effectRef>
+          <a:fontRef idx="minor">
+            <a:schemeClr val="lt1"/>
+          </a:fontRef>
+        </p:style>
+        <p:txBody>
+          <a:bodyPr rtlCol="0" anchor="ctr"/>
+          <a:lstStyle/>
+          <a:p>
+            <a:pPr algn="ctr"/>
+            <a:endParaRPr lang="en-AU"/>
+          </a:p>
+        </p:txBody>
+      </p:sp>
+      <p:sp>
+        <p:nvSpPr>
+          <p:cNvPr id="16" name="Star: 5 Points 15">
+            <a:extLst>
+              <a:ext uri="{FF2B5EF4-FFF2-40B4-BE49-F238E27FC236}">
+                <a16:creationId xmlns:a16="http://schemas.microsoft.com/office/drawing/2014/main" id="{747BC0CA-64DD-462A-93A5-7FB7169D88F1}"/>
+              </a:ext>
+            </a:extLst>
+          </p:cNvPr>
+          <p:cNvSpPr/>
+          <p:nvPr/>
+        </p:nvSpPr>
+        <p:spPr>
+          <a:xfrm>
+            <a:off x="7193558" y="2911089"/>
+            <a:ext cx="159392" cy="117445"/>
+          </a:xfrm>
+          <a:prstGeom prst="star5">
+            <a:avLst/>
+          </a:prstGeom>
+        </p:spPr>
+        <p:style>
+          <a:lnRef idx="2">
+            <a:schemeClr val="accent1">
+              <a:shade val="50000"/>
+            </a:schemeClr>
+          </a:lnRef>
+          <a:fillRef idx="1">
+            <a:schemeClr val="accent1"/>
+          </a:fillRef>
+          <a:effectRef idx="0">
+            <a:schemeClr val="accent1"/>
+          </a:effectRef>
+          <a:fontRef idx="minor">
+            <a:schemeClr val="lt1"/>
+          </a:fontRef>
+        </p:style>
+        <p:txBody>
+          <a:bodyPr rtlCol="0" anchor="ctr"/>
+          <a:lstStyle/>
+          <a:p>
+            <a:pPr algn="ctr"/>
+            <a:endParaRPr lang="en-AU"/>
+          </a:p>
+        </p:txBody>
+      </p:sp>
+      <p:sp>
+        <p:nvSpPr>
+          <p:cNvPr id="17" name="Star: 5 Points 16">
+            <a:extLst>
+              <a:ext uri="{FF2B5EF4-FFF2-40B4-BE49-F238E27FC236}">
+                <a16:creationId xmlns:a16="http://schemas.microsoft.com/office/drawing/2014/main" id="{4B0C6D3B-D2B7-4CF0-BB30-4B4ABFB7E8EA}"/>
+              </a:ext>
+            </a:extLst>
+          </p:cNvPr>
+          <p:cNvSpPr/>
+          <p:nvPr/>
+        </p:nvSpPr>
+        <p:spPr>
+          <a:xfrm>
+            <a:off x="7193558" y="4302262"/>
+            <a:ext cx="159392" cy="117445"/>
+          </a:xfrm>
+          <a:prstGeom prst="star5">
+            <a:avLst/>
+          </a:prstGeom>
+        </p:spPr>
+        <p:style>
+          <a:lnRef idx="2">
+            <a:schemeClr val="accent1">
+              <a:shade val="50000"/>
+            </a:schemeClr>
+          </a:lnRef>
+          <a:fillRef idx="1">
+            <a:schemeClr val="accent1"/>
+          </a:fillRef>
+          <a:effectRef idx="0">
+            <a:schemeClr val="accent1"/>
+          </a:effectRef>
+          <a:fontRef idx="minor">
+            <a:schemeClr val="lt1"/>
+          </a:fontRef>
+        </p:style>
+        <p:txBody>
+          <a:bodyPr rtlCol="0" anchor="ctr"/>
+          <a:lstStyle/>
+          <a:p>
+            <a:pPr algn="ctr"/>
+            <a:endParaRPr lang="en-AU"/>
+          </a:p>
+        </p:txBody>
+      </p:sp>
+      <p:sp>
+        <p:nvSpPr>
+          <p:cNvPr id="18" name="Rectangle 17">
+            <a:extLst>
+              <a:ext uri="{FF2B5EF4-FFF2-40B4-BE49-F238E27FC236}">
+                <a16:creationId xmlns:a16="http://schemas.microsoft.com/office/drawing/2014/main" id="{9F6DDFAB-A669-4C01-854D-F72707BE05B0}"/>
+              </a:ext>
+            </a:extLst>
+          </p:cNvPr>
+          <p:cNvSpPr/>
+          <p:nvPr/>
+        </p:nvSpPr>
+        <p:spPr>
+          <a:xfrm>
+            <a:off x="0" y="2668024"/>
+            <a:ext cx="9219501" cy="117445"/>
+          </a:xfrm>
+          <a:prstGeom prst="rect">
+            <a:avLst/>
+          </a:prstGeom>
+          <a:solidFill>
+            <a:schemeClr val="tx1">
+              <a:lumMod val="95000"/>
+              <a:lumOff val="5000"/>
+              <a:alpha val="50196"/>
+            </a:schemeClr>
+          </a:solidFill>
+          <a:ln>
+            <a:noFill/>
+          </a:ln>
+        </p:spPr>
+        <p:style>
+          <a:lnRef idx="2">
+            <a:schemeClr val="accent1">
+              <a:shade val="50000"/>
+            </a:schemeClr>
+          </a:lnRef>
+          <a:fillRef idx="1">
+            <a:schemeClr val="accent1"/>
+          </a:fillRef>
+          <a:effectRef idx="0">
+            <a:schemeClr val="accent1"/>
+          </a:effectRef>
+          <a:fontRef idx="minor">
+            <a:schemeClr val="lt1"/>
+          </a:fontRef>
+        </p:style>
+        <p:txBody>
+          <a:bodyPr rtlCol="0" anchor="ctr"/>
+          <a:lstStyle/>
+          <a:p>
+            <a:pPr algn="ctr"/>
+            <a:endParaRPr lang="en-AU"/>
           </a:p>
         </p:txBody>
       </p:sp>
@@ -3555,7 +3950,7 @@
           <p:cNvPr id="6" name="Title 1">
             <a:extLst>
               <a:ext uri="{FF2B5EF4-FFF2-40B4-BE49-F238E27FC236}">
-                <a16:creationId xmlns:a16="http://schemas.microsoft.com/office/drawing/2014/main" id="{CAB622A7-19CE-461D-8B35-26193E381505}"/>
+                <a16:creationId xmlns:a16="http://schemas.microsoft.com/office/drawing/2014/main" id="{B7B43204-5F93-43CB-84F0-44CF283D7055}"/>
               </a:ext>
             </a:extLst>
           </p:cNvPr>
@@ -3566,7 +3961,7 @@
         </p:nvSpPr>
         <p:spPr>
           <a:xfrm>
-            <a:off x="0" y="1"/>
+            <a:off x="0" y="-117445"/>
             <a:ext cx="12192000" cy="1066800"/>
           </a:xfrm>
           <a:prstGeom prst="rect">
@@ -3600,7 +3995,7 @@
             <a:pPr algn="ctr"/>
             <a:r>
               <a:rPr lang="en-AU" b="1" dirty="0"/>
-              <a:t>Histogram based Road Detection</a:t>
+              <a:t>Mapping data (OSM, Google maps)</a:t>
             </a:r>
           </a:p>
         </p:txBody>
@@ -3608,7 +4003,7 @@
     </p:spTree>
     <p:extLst>
       <p:ext uri="{BB962C8B-B14F-4D97-AF65-F5344CB8AC3E}">
-        <p14:creationId xmlns:p14="http://schemas.microsoft.com/office/powerpoint/2010/main" val="878925007"/>
+        <p14:creationId xmlns:p14="http://schemas.microsoft.com/office/powerpoint/2010/main" val="2503003797"/>
       </p:ext>
     </p:extLst>
   </p:cSld>
@@ -3637,74 +4032,10 @@
       </p:grpSpPr>
       <p:sp>
         <p:nvSpPr>
-          <p:cNvPr id="3" name="Content Placeholder 2">
-            <a:extLst>
-              <a:ext uri="{FF2B5EF4-FFF2-40B4-BE49-F238E27FC236}">
-                <a16:creationId xmlns:a16="http://schemas.microsoft.com/office/drawing/2014/main" id="{64BCBB61-B5D8-4497-8560-B6AF17D4DD94}"/>
-              </a:ext>
-            </a:extLst>
-          </p:cNvPr>
-          <p:cNvSpPr>
-            <a:spLocks noGrp="1"/>
-          </p:cNvSpPr>
-          <p:nvPr>
-            <p:ph idx="1"/>
-          </p:nvPr>
-        </p:nvSpPr>
-        <p:spPr/>
-        <p:txBody>
-          <a:bodyPr/>
-          <a:lstStyle/>
-          <a:p>
-            <a:r>
-              <a:rPr lang="en-AU" dirty="0"/>
-              <a:t>Appendix C</a:t>
-            </a:r>
-          </a:p>
-        </p:txBody>
-      </p:sp>
-      <p:pic>
-        <p:nvPicPr>
-          <p:cNvPr id="7" name="Picture 6" descr="A close up of a map&#10;&#10;Description automatically generated">
-            <a:extLst>
-              <a:ext uri="{FF2B5EF4-FFF2-40B4-BE49-F238E27FC236}">
-                <a16:creationId xmlns:a16="http://schemas.microsoft.com/office/drawing/2014/main" id="{91ACAD90-8A10-45B0-BD92-70662CEC8E27}"/>
-              </a:ext>
-            </a:extLst>
-          </p:cNvPr>
-          <p:cNvPicPr>
-            <a:picLocks noChangeAspect="1"/>
-          </p:cNvPicPr>
-          <p:nvPr/>
-        </p:nvPicPr>
-        <p:blipFill>
-          <a:blip r:embed="rId2">
-            <a:extLst>
-              <a:ext uri="{28A0092B-C50C-407E-A947-70E740481C1C}">
-                <a14:useLocalDpi xmlns:a14="http://schemas.microsoft.com/office/drawing/2010/main" val="0"/>
-              </a:ext>
-            </a:extLst>
-          </a:blip>
-          <a:stretch>
-            <a:fillRect/>
-          </a:stretch>
-        </p:blipFill>
-        <p:spPr>
-          <a:xfrm>
-            <a:off x="3554964" y="2035839"/>
-            <a:ext cx="7880737" cy="4457036"/>
-          </a:xfrm>
-          <a:prstGeom prst="rect">
-            <a:avLst/>
-          </a:prstGeom>
-        </p:spPr>
-      </p:pic>
-      <p:sp>
-        <p:nvSpPr>
-          <p:cNvPr id="10" name="Title 1">
-            <a:extLst>
-              <a:ext uri="{FF2B5EF4-FFF2-40B4-BE49-F238E27FC236}">
-                <a16:creationId xmlns:a16="http://schemas.microsoft.com/office/drawing/2014/main" id="{7F2EAB40-8CCE-4B72-AA94-DC304EC59C0B}"/>
+          <p:cNvPr id="6" name="Title 1">
+            <a:extLst>
+              <a:ext uri="{FF2B5EF4-FFF2-40B4-BE49-F238E27FC236}">
+                <a16:creationId xmlns:a16="http://schemas.microsoft.com/office/drawing/2014/main" id="{9E0B1C85-9E28-46ED-BAAA-23782207E046}"/>
               </a:ext>
             </a:extLst>
           </p:cNvPr>
@@ -3749,244 +4080,17 @@
             <a:pPr algn="ctr"/>
             <a:r>
               <a:rPr lang="en-AU" b="1" dirty="0"/>
-              <a:t>Curved lane edge detection</a:t>
-            </a:r>
-          </a:p>
-        </p:txBody>
-      </p:sp>
-    </p:spTree>
-    <p:extLst>
-      <p:ext uri="{BB962C8B-B14F-4D97-AF65-F5344CB8AC3E}">
-        <p14:creationId xmlns:p14="http://schemas.microsoft.com/office/powerpoint/2010/main" val="2576891122"/>
-      </p:ext>
-    </p:extLst>
-  </p:cSld>
-  <p:clrMapOvr>
-    <a:masterClrMapping/>
-  </p:clrMapOvr>
-</p:sld>
-</file>
-
-<file path=ppt/slides/slide12.xml><?xml version="1.0" encoding="utf-8"?>
-<p:sld xmlns:a="http://schemas.openxmlformats.org/drawingml/2006/main" xmlns:r="http://schemas.openxmlformats.org/officeDocument/2006/relationships" xmlns:p="http://schemas.openxmlformats.org/presentationml/2006/main">
-  <p:cSld>
-    <p:spTree>
-      <p:nvGrpSpPr>
-        <p:cNvPr id="1" name=""/>
-        <p:cNvGrpSpPr/>
-        <p:nvPr/>
-      </p:nvGrpSpPr>
-      <p:grpSpPr>
-        <a:xfrm>
-          <a:off x="0" y="0"/>
-          <a:ext cx="0" cy="0"/>
-          <a:chOff x="0" y="0"/>
-          <a:chExt cx="0" cy="0"/>
-        </a:xfrm>
-      </p:grpSpPr>
-      <p:sp>
-        <p:nvSpPr>
-          <p:cNvPr id="3" name="Content Placeholder 2">
-            <a:extLst>
-              <a:ext uri="{FF2B5EF4-FFF2-40B4-BE49-F238E27FC236}">
-                <a16:creationId xmlns:a16="http://schemas.microsoft.com/office/drawing/2014/main" id="{64BCBB61-B5D8-4497-8560-B6AF17D4DD94}"/>
-              </a:ext>
-            </a:extLst>
-          </p:cNvPr>
-          <p:cNvSpPr>
-            <a:spLocks noGrp="1"/>
-          </p:cNvSpPr>
-          <p:nvPr>
-            <p:ph idx="1"/>
-          </p:nvPr>
-        </p:nvSpPr>
-        <p:spPr/>
-        <p:txBody>
-          <a:bodyPr/>
-          <a:lstStyle/>
-          <a:p>
-            <a:endParaRPr lang="en-AU"/>
-          </a:p>
-        </p:txBody>
-      </p:sp>
-      <p:sp>
-        <p:nvSpPr>
-          <p:cNvPr id="6" name="Title 1">
-            <a:extLst>
-              <a:ext uri="{FF2B5EF4-FFF2-40B4-BE49-F238E27FC236}">
-                <a16:creationId xmlns:a16="http://schemas.microsoft.com/office/drawing/2014/main" id="{B7B43204-5F93-43CB-84F0-44CF283D7055}"/>
-              </a:ext>
-            </a:extLst>
-          </p:cNvPr>
-          <p:cNvSpPr txBox="1">
-            <a:spLocks/>
-          </p:cNvSpPr>
-          <p:nvPr/>
-        </p:nvSpPr>
-        <p:spPr>
-          <a:xfrm>
-            <a:off x="0" y="1"/>
-            <a:ext cx="12192000" cy="1066800"/>
-          </a:xfrm>
-          <a:prstGeom prst="rect">
-            <a:avLst/>
-          </a:prstGeom>
-        </p:spPr>
-        <p:txBody>
-          <a:bodyPr vert="horz" lIns="91440" tIns="45720" rIns="91440" bIns="45720" rtlCol="0" anchor="ctr">
-            <a:normAutofit/>
-          </a:bodyPr>
-          <a:lstStyle>
-            <a:lvl1pPr algn="l" defTabSz="914400" rtl="0" eaLnBrk="1" latinLnBrk="0" hangingPunct="1">
-              <a:lnSpc>
-                <a:spcPct val="90000"/>
-              </a:lnSpc>
-              <a:spcBef>
-                <a:spcPct val="0"/>
-              </a:spcBef>
-              <a:buNone/>
-              <a:defRPr sz="4400" kern="1200">
-                <a:solidFill>
-                  <a:schemeClr val="tx1"/>
-                </a:solidFill>
-                <a:latin typeface="+mj-lt"/>
-                <a:ea typeface="+mj-ea"/>
-                <a:cs typeface="+mj-cs"/>
-              </a:defRPr>
-            </a:lvl1pPr>
-          </a:lstStyle>
-          <a:p>
-            <a:pPr algn="ctr"/>
-            <a:r>
-              <a:rPr lang="en-AU" b="1" dirty="0"/>
-              <a:t>Intersection model matching</a:t>
-            </a:r>
-          </a:p>
-        </p:txBody>
-      </p:sp>
-    </p:spTree>
-    <p:extLst>
-      <p:ext uri="{BB962C8B-B14F-4D97-AF65-F5344CB8AC3E}">
-        <p14:creationId xmlns:p14="http://schemas.microsoft.com/office/powerpoint/2010/main" val="4100186102"/>
-      </p:ext>
-    </p:extLst>
-  </p:cSld>
-  <p:clrMapOvr>
-    <a:masterClrMapping/>
-  </p:clrMapOvr>
-</p:sld>
-</file>
-
-<file path=ppt/slides/slide13.xml><?xml version="1.0" encoding="utf-8"?>
-<p:sld xmlns:a="http://schemas.openxmlformats.org/drawingml/2006/main" xmlns:r="http://schemas.openxmlformats.org/officeDocument/2006/relationships" xmlns:p="http://schemas.openxmlformats.org/presentationml/2006/main">
-  <p:cSld>
-    <p:spTree>
-      <p:nvGrpSpPr>
-        <p:cNvPr id="1" name=""/>
-        <p:cNvGrpSpPr/>
-        <p:nvPr/>
-      </p:nvGrpSpPr>
-      <p:grpSpPr>
-        <a:xfrm>
-          <a:off x="0" y="0"/>
-          <a:ext cx="0" cy="0"/>
-          <a:chOff x="0" y="0"/>
-          <a:chExt cx="0" cy="0"/>
-        </a:xfrm>
-      </p:grpSpPr>
-      <p:sp>
-        <p:nvSpPr>
-          <p:cNvPr id="6" name="Title 1">
-            <a:extLst>
-              <a:ext uri="{FF2B5EF4-FFF2-40B4-BE49-F238E27FC236}">
-                <a16:creationId xmlns:a16="http://schemas.microsoft.com/office/drawing/2014/main" id="{B7B43204-5F93-43CB-84F0-44CF283D7055}"/>
-              </a:ext>
-            </a:extLst>
-          </p:cNvPr>
-          <p:cNvSpPr txBox="1">
-            <a:spLocks/>
-          </p:cNvSpPr>
-          <p:nvPr/>
-        </p:nvSpPr>
-        <p:spPr>
-          <a:xfrm>
-            <a:off x="0" y="1"/>
-            <a:ext cx="12192000" cy="1066800"/>
-          </a:xfrm>
-          <a:prstGeom prst="rect">
-            <a:avLst/>
-          </a:prstGeom>
-        </p:spPr>
-        <p:txBody>
-          <a:bodyPr vert="horz" lIns="91440" tIns="45720" rIns="91440" bIns="45720" rtlCol="0" anchor="ctr">
-            <a:normAutofit/>
-          </a:bodyPr>
-          <a:lstStyle>
-            <a:lvl1pPr algn="l" defTabSz="914400" rtl="0" eaLnBrk="1" latinLnBrk="0" hangingPunct="1">
-              <a:lnSpc>
-                <a:spcPct val="90000"/>
-              </a:lnSpc>
-              <a:spcBef>
-                <a:spcPct val="0"/>
-              </a:spcBef>
-              <a:buNone/>
-              <a:defRPr sz="4400" kern="1200">
-                <a:solidFill>
-                  <a:schemeClr val="tx1"/>
-                </a:solidFill>
-                <a:latin typeface="+mj-lt"/>
-                <a:ea typeface="+mj-ea"/>
-                <a:cs typeface="+mj-cs"/>
-              </a:defRPr>
-            </a:lvl1pPr>
-          </a:lstStyle>
-          <a:p>
-            <a:pPr algn="ctr"/>
-            <a:r>
-              <a:rPr lang="en-AU" b="1" dirty="0"/>
-              <a:t>Mapping data (OSM, Google maps)</a:t>
-            </a:r>
-          </a:p>
-        </p:txBody>
-      </p:sp>
-      <p:sp>
-        <p:nvSpPr>
-          <p:cNvPr id="2" name="TextBox 1">
-            <a:extLst>
-              <a:ext uri="{FF2B5EF4-FFF2-40B4-BE49-F238E27FC236}">
-                <a16:creationId xmlns:a16="http://schemas.microsoft.com/office/drawing/2014/main" id="{0C888D65-87C0-432B-B064-938A76A8DE93}"/>
-              </a:ext>
-            </a:extLst>
-          </p:cNvPr>
-          <p:cNvSpPr txBox="1"/>
-          <p:nvPr/>
-        </p:nvSpPr>
-        <p:spPr>
-          <a:xfrm>
-            <a:off x="2919368" y="2667698"/>
-            <a:ext cx="8548381" cy="369332"/>
-          </a:xfrm>
-          <a:prstGeom prst="rect">
-            <a:avLst/>
-          </a:prstGeom>
-          <a:noFill/>
-        </p:spPr>
-        <p:txBody>
-          <a:bodyPr wrap="square" rtlCol="0">
-            <a:spAutoFit/>
-          </a:bodyPr>
-          <a:lstStyle/>
-          <a:p>
-            <a:endParaRPr lang="en-AU" dirty="0"/>
+              <a:t>Simulation</a:t>
+            </a:r>
           </a:p>
         </p:txBody>
       </p:sp>
       <p:pic>
         <p:nvPicPr>
-          <p:cNvPr id="5" name="Picture 4">
-            <a:extLst>
-              <a:ext uri="{FF2B5EF4-FFF2-40B4-BE49-F238E27FC236}">
-                <a16:creationId xmlns:a16="http://schemas.microsoft.com/office/drawing/2014/main" id="{32EEF904-8330-4C7C-8C46-6E45EE4B86FA}"/>
+          <p:cNvPr id="2" name="Picture 1">
+            <a:extLst>
+              <a:ext uri="{FF2B5EF4-FFF2-40B4-BE49-F238E27FC236}">
+                <a16:creationId xmlns:a16="http://schemas.microsoft.com/office/drawing/2014/main" id="{2741D44B-8D28-4659-9656-9A9211E1043B}"/>
               </a:ext>
             </a:extLst>
           </p:cNvPr>
@@ -4003,82 +4107,20 @@
         </p:blipFill>
         <p:spPr>
           <a:xfrm>
-            <a:off x="93307" y="1057938"/>
-            <a:ext cx="12098694" cy="5800061"/>
+            <a:off x="0" y="1233183"/>
+            <a:ext cx="6670643" cy="5330504"/>
           </a:xfrm>
           <a:prstGeom prst="rect">
             <a:avLst/>
           </a:prstGeom>
         </p:spPr>
       </p:pic>
-    </p:spTree>
-    <p:extLst>
-      <p:ext uri="{BB962C8B-B14F-4D97-AF65-F5344CB8AC3E}">
-        <p14:creationId xmlns:p14="http://schemas.microsoft.com/office/powerpoint/2010/main" val="2194228787"/>
-      </p:ext>
-    </p:extLst>
-  </p:cSld>
-  <p:clrMapOvr>
-    <a:masterClrMapping/>
-  </p:clrMapOvr>
-</p:sld>
-</file>
-
-<file path=ppt/slides/slide14.xml><?xml version="1.0" encoding="utf-8"?>
-<p:sld xmlns:a="http://schemas.openxmlformats.org/drawingml/2006/main" xmlns:r="http://schemas.openxmlformats.org/officeDocument/2006/relationships" xmlns:p="http://schemas.openxmlformats.org/presentationml/2006/main">
-  <p:cSld>
-    <p:spTree>
-      <p:nvGrpSpPr>
-        <p:cNvPr id="1" name=""/>
-        <p:cNvGrpSpPr/>
-        <p:nvPr/>
-      </p:nvGrpSpPr>
-      <p:grpSpPr>
-        <a:xfrm>
-          <a:off x="0" y="0"/>
-          <a:ext cx="0" cy="0"/>
-          <a:chOff x="0" y="0"/>
-          <a:chExt cx="0" cy="0"/>
-        </a:xfrm>
-      </p:grpSpPr>
-      <p:sp>
-        <p:nvSpPr>
-          <p:cNvPr id="2" name="TextBox 1">
-            <a:extLst>
-              <a:ext uri="{FF2B5EF4-FFF2-40B4-BE49-F238E27FC236}">
-                <a16:creationId xmlns:a16="http://schemas.microsoft.com/office/drawing/2014/main" id="{0C888D65-87C0-432B-B064-938A76A8DE93}"/>
-              </a:ext>
-            </a:extLst>
-          </p:cNvPr>
-          <p:cNvSpPr txBox="1"/>
-          <p:nvPr/>
-        </p:nvSpPr>
-        <p:spPr>
-          <a:xfrm>
-            <a:off x="2919368" y="2667698"/>
-            <a:ext cx="8548381" cy="369332"/>
-          </a:xfrm>
-          <a:prstGeom prst="rect">
-            <a:avLst/>
-          </a:prstGeom>
-          <a:noFill/>
-        </p:spPr>
-        <p:txBody>
-          <a:bodyPr wrap="square" rtlCol="0">
-            <a:spAutoFit/>
-          </a:bodyPr>
-          <a:lstStyle/>
-          <a:p>
-            <a:endParaRPr lang="en-AU" dirty="0"/>
-          </a:p>
-        </p:txBody>
-      </p:sp>
       <p:pic>
         <p:nvPicPr>
-          <p:cNvPr id="7" name="Picture 6">
-            <a:extLst>
-              <a:ext uri="{FF2B5EF4-FFF2-40B4-BE49-F238E27FC236}">
-                <a16:creationId xmlns:a16="http://schemas.microsoft.com/office/drawing/2014/main" id="{60075A60-55A7-4299-BB55-C1D036ED03AB}"/>
+          <p:cNvPr id="5" name="Picture 4" descr="A tent on a beach&#10;&#10;Description automatically generated">
+            <a:extLst>
+              <a:ext uri="{FF2B5EF4-FFF2-40B4-BE49-F238E27FC236}">
+                <a16:creationId xmlns:a16="http://schemas.microsoft.com/office/drawing/2014/main" id="{D21E5053-21EB-483E-832E-D9B3C7EC4525}"/>
               </a:ext>
             </a:extLst>
           </p:cNvPr>
@@ -4088,966 +4130,31 @@
           <p:nvPr/>
         </p:nvPicPr>
         <p:blipFill>
-          <a:blip r:embed="rId2"/>
+          <a:blip r:embed="rId3">
+            <a:extLst>
+              <a:ext uri="{28A0092B-C50C-407E-A947-70E740481C1C}">
+                <a14:useLocalDpi xmlns:a14="http://schemas.microsoft.com/office/drawing/2010/main" val="0"/>
+              </a:ext>
+            </a:extLst>
+          </a:blip>
           <a:stretch>
             <a:fillRect/>
           </a:stretch>
         </p:blipFill>
         <p:spPr>
           <a:xfrm>
-            <a:off x="0" y="635000"/>
-            <a:ext cx="12192000" cy="6223000"/>
+            <a:off x="7097086" y="1380339"/>
+            <a:ext cx="5036191" cy="5036191"/>
           </a:xfrm>
           <a:prstGeom prst="rect">
             <a:avLst/>
           </a:prstGeom>
         </p:spPr>
       </p:pic>
-      <p:sp>
-        <p:nvSpPr>
-          <p:cNvPr id="9" name="Rectangle 8">
-            <a:extLst>
-              <a:ext uri="{FF2B5EF4-FFF2-40B4-BE49-F238E27FC236}">
-                <a16:creationId xmlns:a16="http://schemas.microsoft.com/office/drawing/2014/main" id="{68E48838-3E3B-417F-8E99-A9AA21F96B43}"/>
-              </a:ext>
-            </a:extLst>
-          </p:cNvPr>
-          <p:cNvSpPr/>
-          <p:nvPr/>
-        </p:nvSpPr>
-        <p:spPr>
-          <a:xfrm>
-            <a:off x="67112" y="3137483"/>
-            <a:ext cx="9219501" cy="117445"/>
-          </a:xfrm>
-          <a:prstGeom prst="rect">
-            <a:avLst/>
-          </a:prstGeom>
-          <a:solidFill>
-            <a:srgbClr val="FACD0E">
-              <a:alpha val="50196"/>
-            </a:srgbClr>
-          </a:solidFill>
-          <a:ln>
-            <a:noFill/>
-          </a:ln>
-        </p:spPr>
-        <p:style>
-          <a:lnRef idx="2">
-            <a:schemeClr val="accent1">
-              <a:shade val="50000"/>
-            </a:schemeClr>
-          </a:lnRef>
-          <a:fillRef idx="1">
-            <a:schemeClr val="accent1"/>
-          </a:fillRef>
-          <a:effectRef idx="0">
-            <a:schemeClr val="accent1"/>
-          </a:effectRef>
-          <a:fontRef idx="minor">
-            <a:schemeClr val="lt1"/>
-          </a:fontRef>
-        </p:style>
-        <p:txBody>
-          <a:bodyPr rtlCol="0" anchor="ctr"/>
-          <a:lstStyle/>
-          <a:p>
-            <a:pPr algn="ctr"/>
-            <a:endParaRPr lang="en-AU"/>
-          </a:p>
-        </p:txBody>
-      </p:sp>
-      <p:sp>
-        <p:nvSpPr>
-          <p:cNvPr id="11" name="Rectangle 10">
-            <a:extLst>
-              <a:ext uri="{FF2B5EF4-FFF2-40B4-BE49-F238E27FC236}">
-                <a16:creationId xmlns:a16="http://schemas.microsoft.com/office/drawing/2014/main" id="{87DE2C37-DFB3-459F-A7A0-672680C98081}"/>
-              </a:ext>
-            </a:extLst>
-          </p:cNvPr>
-          <p:cNvSpPr/>
-          <p:nvPr/>
-        </p:nvSpPr>
-        <p:spPr>
-          <a:xfrm>
-            <a:off x="83890" y="4562427"/>
-            <a:ext cx="9219501" cy="117445"/>
-          </a:xfrm>
-          <a:prstGeom prst="rect">
-            <a:avLst/>
-          </a:prstGeom>
-          <a:solidFill>
-            <a:srgbClr val="FACD0E">
-              <a:alpha val="50196"/>
-            </a:srgbClr>
-          </a:solidFill>
-          <a:ln>
-            <a:noFill/>
-          </a:ln>
-        </p:spPr>
-        <p:style>
-          <a:lnRef idx="2">
-            <a:schemeClr val="accent1">
-              <a:shade val="50000"/>
-            </a:schemeClr>
-          </a:lnRef>
-          <a:fillRef idx="1">
-            <a:schemeClr val="accent1"/>
-          </a:fillRef>
-          <a:effectRef idx="0">
-            <a:schemeClr val="accent1"/>
-          </a:effectRef>
-          <a:fontRef idx="minor">
-            <a:schemeClr val="lt1"/>
-          </a:fontRef>
-        </p:style>
-        <p:txBody>
-          <a:bodyPr rtlCol="0" anchor="ctr"/>
-          <a:lstStyle/>
-          <a:p>
-            <a:pPr algn="ctr"/>
-            <a:endParaRPr lang="en-AU"/>
-          </a:p>
-        </p:txBody>
-      </p:sp>
-      <p:sp>
-        <p:nvSpPr>
-          <p:cNvPr id="14" name="Rectangle 13">
-            <a:extLst>
-              <a:ext uri="{FF2B5EF4-FFF2-40B4-BE49-F238E27FC236}">
-                <a16:creationId xmlns:a16="http://schemas.microsoft.com/office/drawing/2014/main" id="{60ED6611-8651-4DA9-8222-E84AAE5B6999}"/>
-              </a:ext>
-            </a:extLst>
-          </p:cNvPr>
-          <p:cNvSpPr/>
-          <p:nvPr/>
-        </p:nvSpPr>
-        <p:spPr>
-          <a:xfrm>
-            <a:off x="83890" y="3862537"/>
-            <a:ext cx="1795245" cy="117445"/>
-          </a:xfrm>
-          <a:prstGeom prst="rect">
-            <a:avLst/>
-          </a:prstGeom>
-          <a:noFill/>
-          <a:ln>
-            <a:solidFill>
-              <a:schemeClr val="tx1"/>
-            </a:solidFill>
-          </a:ln>
-        </p:spPr>
-        <p:style>
-          <a:lnRef idx="2">
-            <a:schemeClr val="accent1">
-              <a:shade val="50000"/>
-            </a:schemeClr>
-          </a:lnRef>
-          <a:fillRef idx="1">
-            <a:schemeClr val="accent1"/>
-          </a:fillRef>
-          <a:effectRef idx="0">
-            <a:schemeClr val="accent1"/>
-          </a:effectRef>
-          <a:fontRef idx="minor">
-            <a:schemeClr val="lt1"/>
-          </a:fontRef>
-        </p:style>
-        <p:txBody>
-          <a:bodyPr rtlCol="0" anchor="ctr"/>
-          <a:lstStyle/>
-          <a:p>
-            <a:pPr algn="ctr"/>
-            <a:endParaRPr lang="en-AU"/>
-          </a:p>
-        </p:txBody>
-      </p:sp>
-      <p:sp>
-        <p:nvSpPr>
-          <p:cNvPr id="15" name="Rectangle 14">
-            <a:extLst>
-              <a:ext uri="{FF2B5EF4-FFF2-40B4-BE49-F238E27FC236}">
-                <a16:creationId xmlns:a16="http://schemas.microsoft.com/office/drawing/2014/main" id="{A6B40330-1159-4955-8512-913B951FD493}"/>
-              </a:ext>
-            </a:extLst>
-          </p:cNvPr>
-          <p:cNvSpPr/>
-          <p:nvPr/>
-        </p:nvSpPr>
-        <p:spPr>
-          <a:xfrm>
-            <a:off x="83889" y="4805492"/>
-            <a:ext cx="1795245" cy="117445"/>
-          </a:xfrm>
-          <a:prstGeom prst="rect">
-            <a:avLst/>
-          </a:prstGeom>
-          <a:noFill/>
-          <a:ln>
-            <a:solidFill>
-              <a:schemeClr val="tx1"/>
-            </a:solidFill>
-          </a:ln>
-        </p:spPr>
-        <p:style>
-          <a:lnRef idx="2">
-            <a:schemeClr val="accent1">
-              <a:shade val="50000"/>
-            </a:schemeClr>
-          </a:lnRef>
-          <a:fillRef idx="1">
-            <a:schemeClr val="accent1"/>
-          </a:fillRef>
-          <a:effectRef idx="0">
-            <a:schemeClr val="accent1"/>
-          </a:effectRef>
-          <a:fontRef idx="minor">
-            <a:schemeClr val="lt1"/>
-          </a:fontRef>
-        </p:style>
-        <p:txBody>
-          <a:bodyPr rtlCol="0" anchor="ctr"/>
-          <a:lstStyle/>
-          <a:p>
-            <a:pPr algn="ctr"/>
-            <a:endParaRPr lang="en-AU"/>
-          </a:p>
-        </p:txBody>
-      </p:sp>
-      <p:sp>
-        <p:nvSpPr>
-          <p:cNvPr id="16" name="Star: 5 Points 15">
-            <a:extLst>
-              <a:ext uri="{FF2B5EF4-FFF2-40B4-BE49-F238E27FC236}">
-                <a16:creationId xmlns:a16="http://schemas.microsoft.com/office/drawing/2014/main" id="{747BC0CA-64DD-462A-93A5-7FB7169D88F1}"/>
-              </a:ext>
-            </a:extLst>
-          </p:cNvPr>
-          <p:cNvSpPr/>
-          <p:nvPr/>
-        </p:nvSpPr>
-        <p:spPr>
-          <a:xfrm>
-            <a:off x="7193558" y="2911089"/>
-            <a:ext cx="159392" cy="117445"/>
-          </a:xfrm>
-          <a:prstGeom prst="star5">
-            <a:avLst/>
-          </a:prstGeom>
-        </p:spPr>
-        <p:style>
-          <a:lnRef idx="2">
-            <a:schemeClr val="accent1">
-              <a:shade val="50000"/>
-            </a:schemeClr>
-          </a:lnRef>
-          <a:fillRef idx="1">
-            <a:schemeClr val="accent1"/>
-          </a:fillRef>
-          <a:effectRef idx="0">
-            <a:schemeClr val="accent1"/>
-          </a:effectRef>
-          <a:fontRef idx="minor">
-            <a:schemeClr val="lt1"/>
-          </a:fontRef>
-        </p:style>
-        <p:txBody>
-          <a:bodyPr rtlCol="0" anchor="ctr"/>
-          <a:lstStyle/>
-          <a:p>
-            <a:pPr algn="ctr"/>
-            <a:endParaRPr lang="en-AU"/>
-          </a:p>
-        </p:txBody>
-      </p:sp>
-      <p:sp>
-        <p:nvSpPr>
-          <p:cNvPr id="17" name="Star: 5 Points 16">
-            <a:extLst>
-              <a:ext uri="{FF2B5EF4-FFF2-40B4-BE49-F238E27FC236}">
-                <a16:creationId xmlns:a16="http://schemas.microsoft.com/office/drawing/2014/main" id="{4B0C6D3B-D2B7-4CF0-BB30-4B4ABFB7E8EA}"/>
-              </a:ext>
-            </a:extLst>
-          </p:cNvPr>
-          <p:cNvSpPr/>
-          <p:nvPr/>
-        </p:nvSpPr>
-        <p:spPr>
-          <a:xfrm>
-            <a:off x="7193558" y="4302262"/>
-            <a:ext cx="159392" cy="117445"/>
-          </a:xfrm>
-          <a:prstGeom prst="star5">
-            <a:avLst/>
-          </a:prstGeom>
-        </p:spPr>
-        <p:style>
-          <a:lnRef idx="2">
-            <a:schemeClr val="accent1">
-              <a:shade val="50000"/>
-            </a:schemeClr>
-          </a:lnRef>
-          <a:fillRef idx="1">
-            <a:schemeClr val="accent1"/>
-          </a:fillRef>
-          <a:effectRef idx="0">
-            <a:schemeClr val="accent1"/>
-          </a:effectRef>
-          <a:fontRef idx="minor">
-            <a:schemeClr val="lt1"/>
-          </a:fontRef>
-        </p:style>
-        <p:txBody>
-          <a:bodyPr rtlCol="0" anchor="ctr"/>
-          <a:lstStyle/>
-          <a:p>
-            <a:pPr algn="ctr"/>
-            <a:endParaRPr lang="en-AU"/>
-          </a:p>
-        </p:txBody>
-      </p:sp>
-      <p:sp>
-        <p:nvSpPr>
-          <p:cNvPr id="18" name="Rectangle 17">
-            <a:extLst>
-              <a:ext uri="{FF2B5EF4-FFF2-40B4-BE49-F238E27FC236}">
-                <a16:creationId xmlns:a16="http://schemas.microsoft.com/office/drawing/2014/main" id="{9F6DDFAB-A669-4C01-854D-F72707BE05B0}"/>
-              </a:ext>
-            </a:extLst>
-          </p:cNvPr>
-          <p:cNvSpPr/>
-          <p:nvPr/>
-        </p:nvSpPr>
-        <p:spPr>
-          <a:xfrm>
-            <a:off x="0" y="2668024"/>
-            <a:ext cx="9219501" cy="117445"/>
-          </a:xfrm>
-          <a:prstGeom prst="rect">
-            <a:avLst/>
-          </a:prstGeom>
-          <a:solidFill>
-            <a:schemeClr val="tx1">
-              <a:lumMod val="95000"/>
-              <a:lumOff val="5000"/>
-              <a:alpha val="50196"/>
-            </a:schemeClr>
-          </a:solidFill>
-          <a:ln>
-            <a:noFill/>
-          </a:ln>
-        </p:spPr>
-        <p:style>
-          <a:lnRef idx="2">
-            <a:schemeClr val="accent1">
-              <a:shade val="50000"/>
-            </a:schemeClr>
-          </a:lnRef>
-          <a:fillRef idx="1">
-            <a:schemeClr val="accent1"/>
-          </a:fillRef>
-          <a:effectRef idx="0">
-            <a:schemeClr val="accent1"/>
-          </a:effectRef>
-          <a:fontRef idx="minor">
-            <a:schemeClr val="lt1"/>
-          </a:fontRef>
-        </p:style>
-        <p:txBody>
-          <a:bodyPr rtlCol="0" anchor="ctr"/>
-          <a:lstStyle/>
-          <a:p>
-            <a:pPr algn="ctr"/>
-            <a:endParaRPr lang="en-AU"/>
-          </a:p>
-        </p:txBody>
-      </p:sp>
-      <p:sp>
-        <p:nvSpPr>
-          <p:cNvPr id="6" name="Title 1">
-            <a:extLst>
-              <a:ext uri="{FF2B5EF4-FFF2-40B4-BE49-F238E27FC236}">
-                <a16:creationId xmlns:a16="http://schemas.microsoft.com/office/drawing/2014/main" id="{B7B43204-5F93-43CB-84F0-44CF283D7055}"/>
-              </a:ext>
-            </a:extLst>
-          </p:cNvPr>
-          <p:cNvSpPr txBox="1">
-            <a:spLocks/>
-          </p:cNvSpPr>
-          <p:nvPr/>
-        </p:nvSpPr>
-        <p:spPr>
-          <a:xfrm>
-            <a:off x="0" y="1"/>
-            <a:ext cx="12192000" cy="1066800"/>
-          </a:xfrm>
-          <a:prstGeom prst="rect">
-            <a:avLst/>
-          </a:prstGeom>
-        </p:spPr>
-        <p:txBody>
-          <a:bodyPr vert="horz" lIns="91440" tIns="45720" rIns="91440" bIns="45720" rtlCol="0" anchor="ctr">
-            <a:normAutofit/>
-          </a:bodyPr>
-          <a:lstStyle>
-            <a:lvl1pPr algn="l" defTabSz="914400" rtl="0" eaLnBrk="1" latinLnBrk="0" hangingPunct="1">
-              <a:lnSpc>
-                <a:spcPct val="90000"/>
-              </a:lnSpc>
-              <a:spcBef>
-                <a:spcPct val="0"/>
-              </a:spcBef>
-              <a:buNone/>
-              <a:defRPr sz="4400" kern="1200">
-                <a:solidFill>
-                  <a:schemeClr val="tx1"/>
-                </a:solidFill>
-                <a:latin typeface="+mj-lt"/>
-                <a:ea typeface="+mj-ea"/>
-                <a:cs typeface="+mj-cs"/>
-              </a:defRPr>
-            </a:lvl1pPr>
-          </a:lstStyle>
-          <a:p>
-            <a:pPr algn="ctr"/>
-            <a:r>
-              <a:rPr lang="en-AU" b="1" dirty="0"/>
-              <a:t>Mapping data (OSM, Google maps)</a:t>
-            </a:r>
-          </a:p>
-        </p:txBody>
-      </p:sp>
-    </p:spTree>
-    <p:extLst>
-      <p:ext uri="{BB962C8B-B14F-4D97-AF65-F5344CB8AC3E}">
-        <p14:creationId xmlns:p14="http://schemas.microsoft.com/office/powerpoint/2010/main" val="2503003797"/>
-      </p:ext>
-    </p:extLst>
-  </p:cSld>
-  <p:clrMapOvr>
-    <a:masterClrMapping/>
-  </p:clrMapOvr>
-</p:sld>
-</file>
-
-<file path=ppt/slides/slide15.xml><?xml version="1.0" encoding="utf-8"?>
-<p:sld xmlns:a="http://schemas.openxmlformats.org/drawingml/2006/main" xmlns:r="http://schemas.openxmlformats.org/officeDocument/2006/relationships" xmlns:p="http://schemas.openxmlformats.org/presentationml/2006/main">
-  <p:cSld>
-    <p:spTree>
-      <p:nvGrpSpPr>
-        <p:cNvPr id="1" name=""/>
-        <p:cNvGrpSpPr/>
-        <p:nvPr/>
-      </p:nvGrpSpPr>
-      <p:grpSpPr>
-        <a:xfrm>
-          <a:off x="0" y="0"/>
-          <a:ext cx="0" cy="0"/>
-          <a:chOff x="0" y="0"/>
-          <a:chExt cx="0" cy="0"/>
-        </a:xfrm>
-      </p:grpSpPr>
-      <p:sp>
-        <p:nvSpPr>
-          <p:cNvPr id="2" name="Title 1">
-            <a:extLst>
-              <a:ext uri="{FF2B5EF4-FFF2-40B4-BE49-F238E27FC236}">
-                <a16:creationId xmlns:a16="http://schemas.microsoft.com/office/drawing/2014/main" id="{53C4DEB4-05ED-4D16-A05A-6014C4196686}"/>
-              </a:ext>
-            </a:extLst>
-          </p:cNvPr>
-          <p:cNvSpPr>
-            <a:spLocks noGrp="1"/>
-          </p:cNvSpPr>
-          <p:nvPr>
-            <p:ph type="title"/>
-          </p:nvPr>
-        </p:nvSpPr>
-        <p:spPr/>
-        <p:txBody>
-          <a:bodyPr/>
-          <a:lstStyle/>
-          <a:p>
-            <a:r>
-              <a:rPr lang="en-AU" dirty="0"/>
-              <a:t>**** SIMULATION STUFF ***</a:t>
-            </a:r>
-          </a:p>
-        </p:txBody>
-      </p:sp>
-      <p:sp>
-        <p:nvSpPr>
-          <p:cNvPr id="3" name="Content Placeholder 2">
-            <a:extLst>
-              <a:ext uri="{FF2B5EF4-FFF2-40B4-BE49-F238E27FC236}">
-                <a16:creationId xmlns:a16="http://schemas.microsoft.com/office/drawing/2014/main" id="{64BCBB61-B5D8-4497-8560-B6AF17D4DD94}"/>
-              </a:ext>
-            </a:extLst>
-          </p:cNvPr>
-          <p:cNvSpPr>
-            <a:spLocks noGrp="1"/>
-          </p:cNvSpPr>
-          <p:nvPr>
-            <p:ph idx="1"/>
-          </p:nvPr>
-        </p:nvSpPr>
-        <p:spPr/>
-        <p:txBody>
-          <a:bodyPr/>
-          <a:lstStyle/>
-          <a:p>
-            <a:endParaRPr lang="en-AU"/>
-          </a:p>
-        </p:txBody>
-      </p:sp>
-    </p:spTree>
-    <p:extLst>
-      <p:ext uri="{BB962C8B-B14F-4D97-AF65-F5344CB8AC3E}">
-        <p14:creationId xmlns:p14="http://schemas.microsoft.com/office/powerpoint/2010/main" val="534635602"/>
-      </p:ext>
-    </p:extLst>
-  </p:cSld>
-  <p:clrMapOvr>
-    <a:masterClrMapping/>
-  </p:clrMapOvr>
-</p:sld>
-</file>
-
-<file path=ppt/slides/slide16.xml><?xml version="1.0" encoding="utf-8"?>
-<p:sld xmlns:a="http://schemas.openxmlformats.org/drawingml/2006/main" xmlns:r="http://schemas.openxmlformats.org/officeDocument/2006/relationships" xmlns:p="http://schemas.openxmlformats.org/presentationml/2006/main">
-  <p:cSld>
-    <p:spTree>
-      <p:nvGrpSpPr>
-        <p:cNvPr id="1" name=""/>
-        <p:cNvGrpSpPr/>
-        <p:nvPr/>
-      </p:nvGrpSpPr>
-      <p:grpSpPr>
-        <a:xfrm>
-          <a:off x="0" y="0"/>
-          <a:ext cx="0" cy="0"/>
-          <a:chOff x="0" y="0"/>
-          <a:chExt cx="0" cy="0"/>
-        </a:xfrm>
-      </p:grpSpPr>
-      <p:sp>
-        <p:nvSpPr>
-          <p:cNvPr id="3" name="Content Placeholder 2">
-            <a:extLst>
-              <a:ext uri="{FF2B5EF4-FFF2-40B4-BE49-F238E27FC236}">
-                <a16:creationId xmlns:a16="http://schemas.microsoft.com/office/drawing/2014/main" id="{64BCBB61-B5D8-4497-8560-B6AF17D4DD94}"/>
-              </a:ext>
-            </a:extLst>
-          </p:cNvPr>
-          <p:cNvSpPr>
-            <a:spLocks noGrp="1"/>
-          </p:cNvSpPr>
-          <p:nvPr>
-            <p:ph idx="1"/>
-          </p:nvPr>
-        </p:nvSpPr>
-        <p:spPr/>
-        <p:txBody>
-          <a:bodyPr/>
-          <a:lstStyle/>
-          <a:p>
-            <a:endParaRPr lang="en-AU"/>
-          </a:p>
-        </p:txBody>
-      </p:sp>
-      <p:sp>
-        <p:nvSpPr>
-          <p:cNvPr id="6" name="Title 1">
-            <a:extLst>
-              <a:ext uri="{FF2B5EF4-FFF2-40B4-BE49-F238E27FC236}">
-                <a16:creationId xmlns:a16="http://schemas.microsoft.com/office/drawing/2014/main" id="{9E0B1C85-9E28-46ED-BAAA-23782207E046}"/>
-              </a:ext>
-            </a:extLst>
-          </p:cNvPr>
-          <p:cNvSpPr txBox="1">
-            <a:spLocks/>
-          </p:cNvSpPr>
-          <p:nvPr/>
-        </p:nvSpPr>
-        <p:spPr>
-          <a:xfrm>
-            <a:off x="0" y="1"/>
-            <a:ext cx="12192000" cy="1066800"/>
-          </a:xfrm>
-          <a:prstGeom prst="rect">
-            <a:avLst/>
-          </a:prstGeom>
-        </p:spPr>
-        <p:txBody>
-          <a:bodyPr vert="horz" lIns="91440" tIns="45720" rIns="91440" bIns="45720" rtlCol="0" anchor="ctr">
-            <a:normAutofit/>
-          </a:bodyPr>
-          <a:lstStyle>
-            <a:lvl1pPr algn="l" defTabSz="914400" rtl="0" eaLnBrk="1" latinLnBrk="0" hangingPunct="1">
-              <a:lnSpc>
-                <a:spcPct val="90000"/>
-              </a:lnSpc>
-              <a:spcBef>
-                <a:spcPct val="0"/>
-              </a:spcBef>
-              <a:buNone/>
-              <a:defRPr sz="4400" kern="1200">
-                <a:solidFill>
-                  <a:schemeClr val="tx1"/>
-                </a:solidFill>
-                <a:latin typeface="+mj-lt"/>
-                <a:ea typeface="+mj-ea"/>
-                <a:cs typeface="+mj-cs"/>
-              </a:defRPr>
-            </a:lvl1pPr>
-          </a:lstStyle>
-          <a:p>
-            <a:pPr algn="ctr"/>
-            <a:r>
-              <a:rPr lang="en-AU" b="1" dirty="0"/>
-              <a:t>Vehicle Controller</a:t>
-            </a:r>
-          </a:p>
-        </p:txBody>
-      </p:sp>
     </p:spTree>
     <p:extLst>
       <p:ext uri="{BB962C8B-B14F-4D97-AF65-F5344CB8AC3E}">
         <p14:creationId xmlns:p14="http://schemas.microsoft.com/office/powerpoint/2010/main" val="2126661911"/>
-      </p:ext>
-    </p:extLst>
-  </p:cSld>
-  <p:clrMapOvr>
-    <a:masterClrMapping/>
-  </p:clrMapOvr>
-</p:sld>
-</file>
-
-<file path=ppt/slides/slide17.xml><?xml version="1.0" encoding="utf-8"?>
-<p:sld xmlns:a="http://schemas.openxmlformats.org/drawingml/2006/main" xmlns:r="http://schemas.openxmlformats.org/officeDocument/2006/relationships" xmlns:p="http://schemas.openxmlformats.org/presentationml/2006/main">
-  <p:cSld>
-    <p:spTree>
-      <p:nvGrpSpPr>
-        <p:cNvPr id="1" name=""/>
-        <p:cNvGrpSpPr/>
-        <p:nvPr/>
-      </p:nvGrpSpPr>
-      <p:grpSpPr>
-        <a:xfrm>
-          <a:off x="0" y="0"/>
-          <a:ext cx="0" cy="0"/>
-          <a:chOff x="0" y="0"/>
-          <a:chExt cx="0" cy="0"/>
-        </a:xfrm>
-      </p:grpSpPr>
-      <p:sp>
-        <p:nvSpPr>
-          <p:cNvPr id="3" name="Content Placeholder 2">
-            <a:extLst>
-              <a:ext uri="{FF2B5EF4-FFF2-40B4-BE49-F238E27FC236}">
-                <a16:creationId xmlns:a16="http://schemas.microsoft.com/office/drawing/2014/main" id="{64BCBB61-B5D8-4497-8560-B6AF17D4DD94}"/>
-              </a:ext>
-            </a:extLst>
-          </p:cNvPr>
-          <p:cNvSpPr>
-            <a:spLocks noGrp="1"/>
-          </p:cNvSpPr>
-          <p:nvPr>
-            <p:ph idx="1"/>
-          </p:nvPr>
-        </p:nvSpPr>
-        <p:spPr/>
-        <p:txBody>
-          <a:bodyPr/>
-          <a:lstStyle/>
-          <a:p>
-            <a:r>
-              <a:rPr lang="en-AU" dirty="0"/>
-              <a:t>Is this needed?</a:t>
-            </a:r>
-          </a:p>
-        </p:txBody>
-      </p:sp>
-      <p:sp>
-        <p:nvSpPr>
-          <p:cNvPr id="6" name="Title 1">
-            <a:extLst>
-              <a:ext uri="{FF2B5EF4-FFF2-40B4-BE49-F238E27FC236}">
-                <a16:creationId xmlns:a16="http://schemas.microsoft.com/office/drawing/2014/main" id="{68DC0026-4F95-44A5-AC22-344659463ED8}"/>
-              </a:ext>
-            </a:extLst>
-          </p:cNvPr>
-          <p:cNvSpPr txBox="1">
-            <a:spLocks/>
-          </p:cNvSpPr>
-          <p:nvPr/>
-        </p:nvSpPr>
-        <p:spPr>
-          <a:xfrm>
-            <a:off x="0" y="1"/>
-            <a:ext cx="12192000" cy="1066800"/>
-          </a:xfrm>
-          <a:prstGeom prst="rect">
-            <a:avLst/>
-          </a:prstGeom>
-        </p:spPr>
-        <p:txBody>
-          <a:bodyPr vert="horz" lIns="91440" tIns="45720" rIns="91440" bIns="45720" rtlCol="0" anchor="ctr">
-            <a:normAutofit/>
-          </a:bodyPr>
-          <a:lstStyle>
-            <a:lvl1pPr algn="l" defTabSz="914400" rtl="0" eaLnBrk="1" latinLnBrk="0" hangingPunct="1">
-              <a:lnSpc>
-                <a:spcPct val="90000"/>
-              </a:lnSpc>
-              <a:spcBef>
-                <a:spcPct val="0"/>
-              </a:spcBef>
-              <a:buNone/>
-              <a:defRPr sz="4400" kern="1200">
-                <a:solidFill>
-                  <a:schemeClr val="tx1"/>
-                </a:solidFill>
-                <a:latin typeface="+mj-lt"/>
-                <a:ea typeface="+mj-ea"/>
-                <a:cs typeface="+mj-cs"/>
-              </a:defRPr>
-            </a:lvl1pPr>
-          </a:lstStyle>
-          <a:p>
-            <a:pPr algn="ctr"/>
-            <a:r>
-              <a:rPr lang="en-AU" b="1" dirty="0"/>
-              <a:t>Sensor Definition</a:t>
-            </a:r>
-          </a:p>
-        </p:txBody>
-      </p:sp>
-    </p:spTree>
-    <p:extLst>
-      <p:ext uri="{BB962C8B-B14F-4D97-AF65-F5344CB8AC3E}">
-        <p14:creationId xmlns:p14="http://schemas.microsoft.com/office/powerpoint/2010/main" val="375248992"/>
-      </p:ext>
-    </p:extLst>
-  </p:cSld>
-  <p:clrMapOvr>
-    <a:masterClrMapping/>
-  </p:clrMapOvr>
-</p:sld>
-</file>
-
-<file path=ppt/slides/slide18.xml><?xml version="1.0" encoding="utf-8"?>
-<p:sld xmlns:a="http://schemas.openxmlformats.org/drawingml/2006/main" xmlns:r="http://schemas.openxmlformats.org/officeDocument/2006/relationships" xmlns:p="http://schemas.openxmlformats.org/presentationml/2006/main">
-  <p:cSld>
-    <p:spTree>
-      <p:nvGrpSpPr>
-        <p:cNvPr id="1" name=""/>
-        <p:cNvGrpSpPr/>
-        <p:nvPr/>
-      </p:nvGrpSpPr>
-      <p:grpSpPr>
-        <a:xfrm>
-          <a:off x="0" y="0"/>
-          <a:ext cx="0" cy="0"/>
-          <a:chOff x="0" y="0"/>
-          <a:chExt cx="0" cy="0"/>
-        </a:xfrm>
-      </p:grpSpPr>
-      <p:sp>
-        <p:nvSpPr>
-          <p:cNvPr id="3" name="Content Placeholder 2">
-            <a:extLst>
-              <a:ext uri="{FF2B5EF4-FFF2-40B4-BE49-F238E27FC236}">
-                <a16:creationId xmlns:a16="http://schemas.microsoft.com/office/drawing/2014/main" id="{64BCBB61-B5D8-4497-8560-B6AF17D4DD94}"/>
-              </a:ext>
-            </a:extLst>
-          </p:cNvPr>
-          <p:cNvSpPr>
-            <a:spLocks noGrp="1"/>
-          </p:cNvSpPr>
-          <p:nvPr>
-            <p:ph idx="1"/>
-          </p:nvPr>
-        </p:nvSpPr>
-        <p:spPr/>
-        <p:txBody>
-          <a:bodyPr/>
-          <a:lstStyle/>
-          <a:p>
-            <a:endParaRPr lang="en-AU"/>
-          </a:p>
-        </p:txBody>
-      </p:sp>
-      <p:sp>
-        <p:nvSpPr>
-          <p:cNvPr id="6" name="Title 1">
-            <a:extLst>
-              <a:ext uri="{FF2B5EF4-FFF2-40B4-BE49-F238E27FC236}">
-                <a16:creationId xmlns:a16="http://schemas.microsoft.com/office/drawing/2014/main" id="{A3580F34-E47C-45AB-87C4-7F91C0414A05}"/>
-              </a:ext>
-            </a:extLst>
-          </p:cNvPr>
-          <p:cNvSpPr txBox="1">
-            <a:spLocks/>
-          </p:cNvSpPr>
-          <p:nvPr/>
-        </p:nvSpPr>
-        <p:spPr>
-          <a:xfrm>
-            <a:off x="0" y="1"/>
-            <a:ext cx="12192000" cy="1066800"/>
-          </a:xfrm>
-          <a:prstGeom prst="rect">
-            <a:avLst/>
-          </a:prstGeom>
-        </p:spPr>
-        <p:txBody>
-          <a:bodyPr vert="horz" lIns="91440" tIns="45720" rIns="91440" bIns="45720" rtlCol="0" anchor="ctr">
-            <a:normAutofit/>
-          </a:bodyPr>
-          <a:lstStyle>
-            <a:lvl1pPr algn="l" defTabSz="914400" rtl="0" eaLnBrk="1" latinLnBrk="0" hangingPunct="1">
-              <a:lnSpc>
-                <a:spcPct val="90000"/>
-              </a:lnSpc>
-              <a:spcBef>
-                <a:spcPct val="0"/>
-              </a:spcBef>
-              <a:buNone/>
-              <a:defRPr sz="4400" kern="1200">
-                <a:solidFill>
-                  <a:schemeClr val="tx1"/>
-                </a:solidFill>
-                <a:latin typeface="+mj-lt"/>
-                <a:ea typeface="+mj-ea"/>
-                <a:cs typeface="+mj-cs"/>
-              </a:defRPr>
-            </a:lvl1pPr>
-          </a:lstStyle>
-          <a:p>
-            <a:pPr algn="ctr"/>
-            <a:r>
-              <a:rPr lang="en-AU" b="1" dirty="0"/>
-              <a:t>GPS/Waypoint system</a:t>
-            </a:r>
-          </a:p>
-        </p:txBody>
-      </p:sp>
-    </p:spTree>
-    <p:extLst>
-      <p:ext uri="{BB962C8B-B14F-4D97-AF65-F5344CB8AC3E}">
-        <p14:creationId xmlns:p14="http://schemas.microsoft.com/office/powerpoint/2010/main" val="3746487936"/>
-      </p:ext>
-    </p:extLst>
-  </p:cSld>
-  <p:clrMapOvr>
-    <a:masterClrMapping/>
-  </p:clrMapOvr>
-</p:sld>
-</file>
-
-<file path=ppt/slides/slide19.xml><?xml version="1.0" encoding="utf-8"?>
-<p:sld xmlns:a="http://schemas.openxmlformats.org/drawingml/2006/main" xmlns:r="http://schemas.openxmlformats.org/officeDocument/2006/relationships" xmlns:p="http://schemas.openxmlformats.org/presentationml/2006/main">
-  <p:cSld>
-    <p:spTree>
-      <p:nvGrpSpPr>
-        <p:cNvPr id="1" name=""/>
-        <p:cNvGrpSpPr/>
-        <p:nvPr/>
-      </p:nvGrpSpPr>
-      <p:grpSpPr>
-        <a:xfrm>
-          <a:off x="0" y="0"/>
-          <a:ext cx="0" cy="0"/>
-          <a:chOff x="0" y="0"/>
-          <a:chExt cx="0" cy="0"/>
-        </a:xfrm>
-      </p:grpSpPr>
-      <p:sp>
-        <p:nvSpPr>
-          <p:cNvPr id="3" name="Content Placeholder 2">
-            <a:extLst>
-              <a:ext uri="{FF2B5EF4-FFF2-40B4-BE49-F238E27FC236}">
-                <a16:creationId xmlns:a16="http://schemas.microsoft.com/office/drawing/2014/main" id="{64BCBB61-B5D8-4497-8560-B6AF17D4DD94}"/>
-              </a:ext>
-            </a:extLst>
-          </p:cNvPr>
-          <p:cNvSpPr>
-            <a:spLocks noGrp="1"/>
-          </p:cNvSpPr>
-          <p:nvPr>
-            <p:ph idx="1"/>
-          </p:nvPr>
-        </p:nvSpPr>
-        <p:spPr/>
-        <p:txBody>
-          <a:bodyPr/>
-          <a:lstStyle/>
-          <a:p>
-            <a:endParaRPr lang="en-AU" dirty="0"/>
-          </a:p>
-        </p:txBody>
-      </p:sp>
-      <p:sp>
-        <p:nvSpPr>
-          <p:cNvPr id="6" name="Title 1">
-            <a:extLst>
-              <a:ext uri="{FF2B5EF4-FFF2-40B4-BE49-F238E27FC236}">
-                <a16:creationId xmlns:a16="http://schemas.microsoft.com/office/drawing/2014/main" id="{5184D7A4-049E-478E-90E4-20651FF2FDEF}"/>
-              </a:ext>
-            </a:extLst>
-          </p:cNvPr>
-          <p:cNvSpPr txBox="1">
-            <a:spLocks/>
-          </p:cNvSpPr>
-          <p:nvPr/>
-        </p:nvSpPr>
-        <p:spPr>
-          <a:xfrm>
-            <a:off x="0" y="1"/>
-            <a:ext cx="12192000" cy="1066800"/>
-          </a:xfrm>
-          <a:prstGeom prst="rect">
-            <a:avLst/>
-          </a:prstGeom>
-        </p:spPr>
-        <p:txBody>
-          <a:bodyPr vert="horz" lIns="91440" tIns="45720" rIns="91440" bIns="45720" rtlCol="0" anchor="ctr">
-            <a:normAutofit/>
-          </a:bodyPr>
-          <a:lstStyle>
-            <a:lvl1pPr algn="l" defTabSz="914400" rtl="0" eaLnBrk="1" latinLnBrk="0" hangingPunct="1">
-              <a:lnSpc>
-                <a:spcPct val="90000"/>
-              </a:lnSpc>
-              <a:spcBef>
-                <a:spcPct val="0"/>
-              </a:spcBef>
-              <a:buNone/>
-              <a:defRPr sz="4400" kern="1200">
-                <a:solidFill>
-                  <a:schemeClr val="tx1"/>
-                </a:solidFill>
-                <a:latin typeface="+mj-lt"/>
-                <a:ea typeface="+mj-ea"/>
-                <a:cs typeface="+mj-cs"/>
-              </a:defRPr>
-            </a:lvl1pPr>
-          </a:lstStyle>
-          <a:p>
-            <a:pPr algn="ctr"/>
-            <a:r>
-              <a:rPr lang="en-AU" b="1" dirty="0"/>
-              <a:t>Vehicle AI</a:t>
-            </a:r>
-          </a:p>
-        </p:txBody>
-      </p:sp>
-    </p:spTree>
-    <p:extLst>
-      <p:ext uri="{BB962C8B-B14F-4D97-AF65-F5344CB8AC3E}">
-        <p14:creationId xmlns:p14="http://schemas.microsoft.com/office/powerpoint/2010/main" val="3230270730"/>
       </p:ext>
     </p:extLst>
   </p:cSld>
@@ -5074,52 +4181,48 @@
           <a:chExt cx="0" cy="0"/>
         </a:xfrm>
       </p:grpSpPr>
-      <p:sp>
-        <p:nvSpPr>
-          <p:cNvPr id="3" name="Content Placeholder 2">
-            <a:extLst>
-              <a:ext uri="{FF2B5EF4-FFF2-40B4-BE49-F238E27FC236}">
-                <a16:creationId xmlns:a16="http://schemas.microsoft.com/office/drawing/2014/main" id="{64BCBB61-B5D8-4497-8560-B6AF17D4DD94}"/>
-              </a:ext>
-            </a:extLst>
-          </p:cNvPr>
-          <p:cNvSpPr>
-            <a:spLocks noGrp="1"/>
-          </p:cNvSpPr>
-          <p:nvPr>
-            <p:ph idx="1"/>
-          </p:nvPr>
-        </p:nvSpPr>
-        <p:spPr/>
-        <p:txBody>
-          <a:bodyPr/>
-          <a:lstStyle/>
-          <a:p>
-            <a:r>
-              <a:rPr lang="en-AU" dirty="0"/>
-              <a:t>Tesla</a:t>
-            </a:r>
-          </a:p>
-          <a:p>
-            <a:endParaRPr lang="en-AU" dirty="0"/>
-          </a:p>
-          <a:p>
-            <a:r>
-              <a:rPr lang="en-AU" dirty="0"/>
-              <a:t>MIT</a:t>
-            </a:r>
-          </a:p>
-          <a:p>
-            <a:endParaRPr lang="en-AU" dirty="0"/>
-          </a:p>
-        </p:txBody>
-      </p:sp>
-      <p:sp>
-        <p:nvSpPr>
-          <p:cNvPr id="6" name="Title 1">
-            <a:extLst>
-              <a:ext uri="{FF2B5EF4-FFF2-40B4-BE49-F238E27FC236}">
-                <a16:creationId xmlns:a16="http://schemas.microsoft.com/office/drawing/2014/main" id="{8DE8DB55-1300-4A6A-9AF7-8C3B65F4892A}"/>
+      <p:pic>
+        <p:nvPicPr>
+          <p:cNvPr id="11" name="Picture 10">
+            <a:extLst>
+              <a:ext uri="{FF2B5EF4-FFF2-40B4-BE49-F238E27FC236}">
+                <a16:creationId xmlns:a16="http://schemas.microsoft.com/office/drawing/2014/main" id="{C2BC112B-017D-4E6D-BC9A-4A9332632CA3}"/>
+              </a:ext>
+            </a:extLst>
+          </p:cNvPr>
+          <p:cNvPicPr>
+            <a:picLocks noChangeAspect="1"/>
+          </p:cNvPicPr>
+          <p:nvPr/>
+        </p:nvPicPr>
+        <p:blipFill>
+          <a:blip r:embed="rId2">
+            <a:extLst>
+              <a:ext uri="{28A0092B-C50C-407E-A947-70E740481C1C}">
+                <a14:useLocalDpi xmlns:a14="http://schemas.microsoft.com/office/drawing/2010/main" val="0"/>
+              </a:ext>
+            </a:extLst>
+          </a:blip>
+          <a:stretch>
+            <a:fillRect/>
+          </a:stretch>
+        </p:blipFill>
+        <p:spPr>
+          <a:xfrm>
+            <a:off x="655421" y="1231172"/>
+            <a:ext cx="11147889" cy="5626827"/>
+          </a:xfrm>
+          <a:prstGeom prst="rect">
+            <a:avLst/>
+          </a:prstGeom>
+        </p:spPr>
+      </p:pic>
+      <p:sp>
+        <p:nvSpPr>
+          <p:cNvPr id="14" name="Title 1">
+            <a:extLst>
+              <a:ext uri="{FF2B5EF4-FFF2-40B4-BE49-F238E27FC236}">
+                <a16:creationId xmlns:a16="http://schemas.microsoft.com/office/drawing/2014/main" id="{DC54B36A-3A6B-4B91-8FA1-5B3D01650483}"/>
               </a:ext>
             </a:extLst>
           </p:cNvPr>
@@ -5164,7 +4267,7 @@
             <a:pPr algn="ctr"/>
             <a:r>
               <a:rPr lang="en-AU" b="1" dirty="0"/>
-              <a:t>Comparable Work</a:t>
+              <a:t>Inverse Perspective Transformation</a:t>
             </a:r>
           </a:p>
         </p:txBody>
@@ -5172,249 +4275,7 @@
     </p:spTree>
     <p:extLst>
       <p:ext uri="{BB962C8B-B14F-4D97-AF65-F5344CB8AC3E}">
-        <p14:creationId xmlns:p14="http://schemas.microsoft.com/office/powerpoint/2010/main" val="3979070285"/>
-      </p:ext>
-    </p:extLst>
-  </p:cSld>
-  <p:clrMapOvr>
-    <a:masterClrMapping/>
-  </p:clrMapOvr>
-</p:sld>
-</file>
-
-<file path=ppt/slides/slide20.xml><?xml version="1.0" encoding="utf-8"?>
-<p:sld xmlns:a="http://schemas.openxmlformats.org/drawingml/2006/main" xmlns:r="http://schemas.openxmlformats.org/officeDocument/2006/relationships" xmlns:p="http://schemas.openxmlformats.org/presentationml/2006/main">
-  <p:cSld>
-    <p:spTree>
-      <p:nvGrpSpPr>
-        <p:cNvPr id="1" name=""/>
-        <p:cNvGrpSpPr/>
-        <p:nvPr/>
-      </p:nvGrpSpPr>
-      <p:grpSpPr>
-        <a:xfrm>
-          <a:off x="0" y="0"/>
-          <a:ext cx="0" cy="0"/>
-          <a:chOff x="0" y="0"/>
-          <a:chExt cx="0" cy="0"/>
-        </a:xfrm>
-      </p:grpSpPr>
-      <p:sp>
-        <p:nvSpPr>
-          <p:cNvPr id="3" name="Content Placeholder 2">
-            <a:extLst>
-              <a:ext uri="{FF2B5EF4-FFF2-40B4-BE49-F238E27FC236}">
-                <a16:creationId xmlns:a16="http://schemas.microsoft.com/office/drawing/2014/main" id="{64BCBB61-B5D8-4497-8560-B6AF17D4DD94}"/>
-              </a:ext>
-            </a:extLst>
-          </p:cNvPr>
-          <p:cNvSpPr>
-            <a:spLocks noGrp="1"/>
-          </p:cNvSpPr>
-          <p:nvPr>
-            <p:ph idx="1"/>
-          </p:nvPr>
-        </p:nvSpPr>
-        <p:spPr/>
-        <p:txBody>
-          <a:bodyPr/>
-          <a:lstStyle/>
-          <a:p>
-            <a:r>
-              <a:rPr lang="en-AU" dirty="0"/>
-              <a:t>Overview</a:t>
-            </a:r>
-          </a:p>
-          <a:p>
-            <a:endParaRPr lang="en-AU" dirty="0"/>
-          </a:p>
-          <a:p>
-            <a:r>
-              <a:rPr lang="en-AU" dirty="0"/>
-              <a:t>Current sprint dashboard</a:t>
-            </a:r>
-          </a:p>
-        </p:txBody>
-      </p:sp>
-      <p:sp>
-        <p:nvSpPr>
-          <p:cNvPr id="6" name="Title 1">
-            <a:extLst>
-              <a:ext uri="{FF2B5EF4-FFF2-40B4-BE49-F238E27FC236}">
-                <a16:creationId xmlns:a16="http://schemas.microsoft.com/office/drawing/2014/main" id="{098A9643-C42C-41CE-AB6C-7A1F184E0B9F}"/>
-              </a:ext>
-            </a:extLst>
-          </p:cNvPr>
-          <p:cNvSpPr txBox="1">
-            <a:spLocks/>
-          </p:cNvSpPr>
-          <p:nvPr/>
-        </p:nvSpPr>
-        <p:spPr>
-          <a:xfrm>
-            <a:off x="0" y="1"/>
-            <a:ext cx="12192000" cy="1066800"/>
-          </a:xfrm>
-          <a:prstGeom prst="rect">
-            <a:avLst/>
-          </a:prstGeom>
-        </p:spPr>
-        <p:txBody>
-          <a:bodyPr vert="horz" lIns="91440" tIns="45720" rIns="91440" bIns="45720" rtlCol="0" anchor="ctr">
-            <a:normAutofit/>
-          </a:bodyPr>
-          <a:lstStyle>
-            <a:lvl1pPr algn="l" defTabSz="914400" rtl="0" eaLnBrk="1" latinLnBrk="0" hangingPunct="1">
-              <a:lnSpc>
-                <a:spcPct val="90000"/>
-              </a:lnSpc>
-              <a:spcBef>
-                <a:spcPct val="0"/>
-              </a:spcBef>
-              <a:buNone/>
-              <a:defRPr sz="4400" kern="1200">
-                <a:solidFill>
-                  <a:schemeClr val="tx1"/>
-                </a:solidFill>
-                <a:latin typeface="+mj-lt"/>
-                <a:ea typeface="+mj-ea"/>
-                <a:cs typeface="+mj-cs"/>
-              </a:defRPr>
-            </a:lvl1pPr>
-          </a:lstStyle>
-          <a:p>
-            <a:pPr algn="ctr"/>
-            <a:r>
-              <a:rPr lang="en-AU" b="1" dirty="0"/>
-              <a:t>Agile process</a:t>
-            </a:r>
-          </a:p>
-        </p:txBody>
-      </p:sp>
-    </p:spTree>
-    <p:extLst>
-      <p:ext uri="{BB962C8B-B14F-4D97-AF65-F5344CB8AC3E}">
-        <p14:creationId xmlns:p14="http://schemas.microsoft.com/office/powerpoint/2010/main" val="2083967889"/>
-      </p:ext>
-    </p:extLst>
-  </p:cSld>
-  <p:clrMapOvr>
-    <a:masterClrMapping/>
-  </p:clrMapOvr>
-</p:sld>
-</file>
-
-<file path=ppt/slides/slide21.xml><?xml version="1.0" encoding="utf-8"?>
-<p:sld xmlns:a="http://schemas.openxmlformats.org/drawingml/2006/main" xmlns:r="http://schemas.openxmlformats.org/officeDocument/2006/relationships" xmlns:p="http://schemas.openxmlformats.org/presentationml/2006/main">
-  <p:cSld>
-    <p:spTree>
-      <p:nvGrpSpPr>
-        <p:cNvPr id="1" name=""/>
-        <p:cNvGrpSpPr/>
-        <p:nvPr/>
-      </p:nvGrpSpPr>
-      <p:grpSpPr>
-        <a:xfrm>
-          <a:off x="0" y="0"/>
-          <a:ext cx="0" cy="0"/>
-          <a:chOff x="0" y="0"/>
-          <a:chExt cx="0" cy="0"/>
-        </a:xfrm>
-      </p:grpSpPr>
-      <p:sp>
-        <p:nvSpPr>
-          <p:cNvPr id="3" name="Content Placeholder 2">
-            <a:extLst>
-              <a:ext uri="{FF2B5EF4-FFF2-40B4-BE49-F238E27FC236}">
-                <a16:creationId xmlns:a16="http://schemas.microsoft.com/office/drawing/2014/main" id="{64BCBB61-B5D8-4497-8560-B6AF17D4DD94}"/>
-              </a:ext>
-            </a:extLst>
-          </p:cNvPr>
-          <p:cNvSpPr>
-            <a:spLocks noGrp="1"/>
-          </p:cNvSpPr>
-          <p:nvPr>
-            <p:ph idx="1"/>
-          </p:nvPr>
-        </p:nvSpPr>
-        <p:spPr/>
-        <p:txBody>
-          <a:bodyPr/>
-          <a:lstStyle/>
-          <a:p>
-            <a:r>
-              <a:rPr lang="en-AU" dirty="0" err="1"/>
-              <a:t>ZeroMQ</a:t>
-            </a:r>
-            <a:endParaRPr lang="en-AU" dirty="0"/>
-          </a:p>
-          <a:p>
-            <a:r>
-              <a:rPr lang="en-AU" dirty="0"/>
-              <a:t>Time dilation and Sim `tick’</a:t>
-            </a:r>
-          </a:p>
-        </p:txBody>
-      </p:sp>
-      <p:sp>
-        <p:nvSpPr>
-          <p:cNvPr id="6" name="Title 1">
-            <a:extLst>
-              <a:ext uri="{FF2B5EF4-FFF2-40B4-BE49-F238E27FC236}">
-                <a16:creationId xmlns:a16="http://schemas.microsoft.com/office/drawing/2014/main" id="{B991C82E-DF8F-4A36-894D-B71693B61E73}"/>
-              </a:ext>
-            </a:extLst>
-          </p:cNvPr>
-          <p:cNvSpPr txBox="1">
-            <a:spLocks/>
-          </p:cNvSpPr>
-          <p:nvPr/>
-        </p:nvSpPr>
-        <p:spPr>
-          <a:xfrm>
-            <a:off x="0" y="1"/>
-            <a:ext cx="12192000" cy="1066800"/>
-          </a:xfrm>
-          <a:prstGeom prst="rect">
-            <a:avLst/>
-          </a:prstGeom>
-        </p:spPr>
-        <p:txBody>
-          <a:bodyPr vert="horz" lIns="91440" tIns="45720" rIns="91440" bIns="45720" rtlCol="0" anchor="ctr">
-            <a:normAutofit/>
-          </a:bodyPr>
-          <a:lstStyle>
-            <a:lvl1pPr algn="l" defTabSz="914400" rtl="0" eaLnBrk="1" latinLnBrk="0" hangingPunct="1">
-              <a:lnSpc>
-                <a:spcPct val="90000"/>
-              </a:lnSpc>
-              <a:spcBef>
-                <a:spcPct val="0"/>
-              </a:spcBef>
-              <a:buNone/>
-              <a:defRPr sz="4400" kern="1200">
-                <a:solidFill>
-                  <a:schemeClr val="tx1"/>
-                </a:solidFill>
-                <a:latin typeface="+mj-lt"/>
-                <a:ea typeface="+mj-ea"/>
-                <a:cs typeface="+mj-cs"/>
-              </a:defRPr>
-            </a:lvl1pPr>
-          </a:lstStyle>
-          <a:p>
-            <a:pPr algn="ctr"/>
-            <a:r>
-              <a:rPr lang="en-AU" b="1" dirty="0"/>
-              <a:t>Image Filtering</a:t>
-            </a:r>
-          </a:p>
-        </p:txBody>
-      </p:sp>
-    </p:spTree>
-    <p:extLst>
-      <p:ext uri="{BB962C8B-B14F-4D97-AF65-F5344CB8AC3E}">
-        <p14:creationId xmlns:p14="http://schemas.microsoft.com/office/powerpoint/2010/main" val="650833392"/>
+        <p14:creationId xmlns:p14="http://schemas.microsoft.com/office/powerpoint/2010/main" val="286836313"/>
       </p:ext>
     </p:extLst>
   </p:cSld>
@@ -5464,17 +4325,57 @@
           <a:p>
             <a:r>
               <a:rPr lang="en-AU" dirty="0"/>
-              <a:t>Pixels, colour representation</a:t>
+              <a:t>Kernels</a:t>
+            </a:r>
+          </a:p>
+          <a:p>
+            <a:pPr lvl="1"/>
+            <a:r>
+              <a:rPr lang="en-AU" dirty="0"/>
+              <a:t>Identity</a:t>
+            </a:r>
+          </a:p>
+          <a:p>
+            <a:pPr lvl="1"/>
+            <a:r>
+              <a:rPr lang="en-AU" dirty="0"/>
+              <a:t>Low/High pass</a:t>
+            </a:r>
+          </a:p>
+          <a:p>
+            <a:pPr lvl="1"/>
+            <a:r>
+              <a:rPr lang="en-AU" dirty="0"/>
+              <a:t>Edge</a:t>
+            </a:r>
+          </a:p>
+          <a:p>
+            <a:pPr lvl="1"/>
+            <a:r>
+              <a:rPr lang="en-AU" dirty="0"/>
+              <a:t>Sharpen</a:t>
+            </a:r>
+          </a:p>
+          <a:p>
+            <a:r>
+              <a:rPr lang="en-AU" dirty="0"/>
+              <a:t>Convolution</a:t>
+            </a:r>
+          </a:p>
+          <a:p>
+            <a:r>
+              <a:rPr lang="en-AU" dirty="0"/>
+              <a:t>Edge cases</a:t>
             </a:r>
           </a:p>
         </p:txBody>
       </p:sp>
       <p:pic>
         <p:nvPicPr>
-          <p:cNvPr id="5" name="Picture 4" descr="A screenshot of a cell phone&#10;&#10;Description automatically generated">
-            <a:extLst>
-              <a:ext uri="{FF2B5EF4-FFF2-40B4-BE49-F238E27FC236}">
-                <a16:creationId xmlns:a16="http://schemas.microsoft.com/office/drawing/2014/main" id="{7200D08A-DAD1-45F0-BA37-0EAD6897D655}"/>
+          <p:cNvPr id="5" name="Picture 4">
+            <a:extLst>
+              <a:ext uri="{FF2B5EF4-FFF2-40B4-BE49-F238E27FC236}">
+                <a16:creationId xmlns:a16="http://schemas.microsoft.com/office/drawing/2014/main" id="{3618696B-C820-4AF7-BF5C-22F045BA486E}"/>
               </a:ext>
             </a:extLst>
           </p:cNvPr>
@@ -5497,8 +4398,8 @@
         </p:blipFill>
         <p:spPr>
           <a:xfrm>
-            <a:off x="5215812" y="2942431"/>
-            <a:ext cx="6834144" cy="3777915"/>
+            <a:off x="3822309" y="2089593"/>
+            <a:ext cx="7987136" cy="4236303"/>
           </a:xfrm>
           <a:prstGeom prst="rect">
             <a:avLst/>
@@ -5507,10 +4408,10 @@
       </p:pic>
       <p:sp>
         <p:nvSpPr>
-          <p:cNvPr id="8" name="Title 1">
-            <a:extLst>
-              <a:ext uri="{FF2B5EF4-FFF2-40B4-BE49-F238E27FC236}">
-                <a16:creationId xmlns:a16="http://schemas.microsoft.com/office/drawing/2014/main" id="{A997FCAC-812E-4A33-A8DA-89A94F13CC8D}"/>
+          <p:cNvPr id="6" name="Title 1">
+            <a:extLst>
+              <a:ext uri="{FF2B5EF4-FFF2-40B4-BE49-F238E27FC236}">
+                <a16:creationId xmlns:a16="http://schemas.microsoft.com/office/drawing/2014/main" id="{26B98F38-C19F-45BC-90B3-4079E71400ED}"/>
               </a:ext>
             </a:extLst>
           </p:cNvPr>
@@ -5555,7 +4456,7 @@
             <a:pPr algn="ctr"/>
             <a:r>
               <a:rPr lang="en-AU" b="1" dirty="0"/>
-              <a:t>Image Representation</a:t>
+              <a:t>Image Filtering</a:t>
             </a:r>
           </a:p>
         </p:txBody>
@@ -5563,7 +4464,7 @@
     </p:spTree>
     <p:extLst>
       <p:ext uri="{BB962C8B-B14F-4D97-AF65-F5344CB8AC3E}">
-        <p14:creationId xmlns:p14="http://schemas.microsoft.com/office/powerpoint/2010/main" val="3123889588"/>
+        <p14:creationId xmlns:p14="http://schemas.microsoft.com/office/powerpoint/2010/main" val="440075565"/>
       </p:ext>
     </p:extLst>
   </p:cSld>
@@ -5592,77 +4493,10 @@
       </p:grpSpPr>
       <p:sp>
         <p:nvSpPr>
-          <p:cNvPr id="7" name="Content Placeholder 6">
-            <a:extLst>
-              <a:ext uri="{FF2B5EF4-FFF2-40B4-BE49-F238E27FC236}">
-                <a16:creationId xmlns:a16="http://schemas.microsoft.com/office/drawing/2014/main" id="{FE49EB3C-167B-49FA-8DB6-0BB81BE36D28}"/>
-              </a:ext>
-            </a:extLst>
-          </p:cNvPr>
-          <p:cNvSpPr>
-            <a:spLocks noGrp="1"/>
-          </p:cNvSpPr>
-          <p:nvPr>
-            <p:ph idx="1"/>
-          </p:nvPr>
-        </p:nvSpPr>
-        <p:spPr/>
-        <p:txBody>
-          <a:bodyPr/>
-          <a:lstStyle/>
-          <a:p>
-            <a:r>
-              <a:rPr lang="en-AU" dirty="0">
-                <a:hlinkClick r:id="rId2"/>
-              </a:rPr>
-              <a:t>https://www.youtube.com/watch?v=ny3sXMR-QEU</a:t>
-            </a:r>
-            <a:endParaRPr lang="en-AU" dirty="0"/>
-          </a:p>
-        </p:txBody>
-      </p:sp>
-      <p:pic>
-        <p:nvPicPr>
-          <p:cNvPr id="11" name="Picture 10">
-            <a:extLst>
-              <a:ext uri="{FF2B5EF4-FFF2-40B4-BE49-F238E27FC236}">
-                <a16:creationId xmlns:a16="http://schemas.microsoft.com/office/drawing/2014/main" id="{C2BC112B-017D-4E6D-BC9A-4A9332632CA3}"/>
-              </a:ext>
-            </a:extLst>
-          </p:cNvPr>
-          <p:cNvPicPr>
-            <a:picLocks noChangeAspect="1"/>
-          </p:cNvPicPr>
-          <p:nvPr/>
-        </p:nvPicPr>
-        <p:blipFill>
-          <a:blip r:embed="rId3">
-            <a:extLst>
-              <a:ext uri="{28A0092B-C50C-407E-A947-70E740481C1C}">
-                <a14:useLocalDpi xmlns:a14="http://schemas.microsoft.com/office/drawing/2010/main" val="0"/>
-              </a:ext>
-            </a:extLst>
-          </a:blip>
-          <a:stretch>
-            <a:fillRect/>
-          </a:stretch>
-        </p:blipFill>
-        <p:spPr>
-          <a:xfrm>
-            <a:off x="7225198" y="3982332"/>
-            <a:ext cx="4615348" cy="2329568"/>
-          </a:xfrm>
-          <a:prstGeom prst="rect">
-            <a:avLst/>
-          </a:prstGeom>
-        </p:spPr>
-      </p:pic>
-      <p:sp>
-        <p:nvSpPr>
-          <p:cNvPr id="14" name="Title 1">
-            <a:extLst>
-              <a:ext uri="{FF2B5EF4-FFF2-40B4-BE49-F238E27FC236}">
-                <a16:creationId xmlns:a16="http://schemas.microsoft.com/office/drawing/2014/main" id="{DC54B36A-3A6B-4B91-8FA1-5B3D01650483}"/>
+          <p:cNvPr id="7" name="Title 1">
+            <a:extLst>
+              <a:ext uri="{FF2B5EF4-FFF2-40B4-BE49-F238E27FC236}">
+                <a16:creationId xmlns:a16="http://schemas.microsoft.com/office/drawing/2014/main" id="{140748D4-1AE8-42E5-8F4E-49B5C01064FF}"/>
               </a:ext>
             </a:extLst>
           </p:cNvPr>
@@ -5707,115 +4541,75 @@
             <a:pPr algn="ctr"/>
             <a:r>
               <a:rPr lang="en-AU" b="1" dirty="0"/>
-              <a:t>Inverse Perspective Transformation</a:t>
-            </a:r>
-          </a:p>
-        </p:txBody>
-      </p:sp>
-    </p:spTree>
-    <p:extLst>
-      <p:ext uri="{BB962C8B-B14F-4D97-AF65-F5344CB8AC3E}">
-        <p14:creationId xmlns:p14="http://schemas.microsoft.com/office/powerpoint/2010/main" val="286836313"/>
-      </p:ext>
-    </p:extLst>
-  </p:cSld>
-  <p:clrMapOvr>
-    <a:masterClrMapping/>
-  </p:clrMapOvr>
-</p:sld>
-</file>
-
-<file path=ppt/slides/slide5.xml><?xml version="1.0" encoding="utf-8"?>
-<p:sld xmlns:a="http://schemas.openxmlformats.org/drawingml/2006/main" xmlns:r="http://schemas.openxmlformats.org/officeDocument/2006/relationships" xmlns:p="http://schemas.openxmlformats.org/presentationml/2006/main">
-  <p:cSld>
-    <p:spTree>
-      <p:nvGrpSpPr>
-        <p:cNvPr id="1" name=""/>
-        <p:cNvGrpSpPr/>
-        <p:nvPr/>
-      </p:nvGrpSpPr>
-      <p:grpSpPr>
-        <a:xfrm>
-          <a:off x="0" y="0"/>
-          <a:ext cx="0" cy="0"/>
-          <a:chOff x="0" y="0"/>
-          <a:chExt cx="0" cy="0"/>
-        </a:xfrm>
-      </p:grpSpPr>
-      <p:sp>
-        <p:nvSpPr>
-          <p:cNvPr id="3" name="Content Placeholder 2">
-            <a:extLst>
-              <a:ext uri="{FF2B5EF4-FFF2-40B4-BE49-F238E27FC236}">
-                <a16:creationId xmlns:a16="http://schemas.microsoft.com/office/drawing/2014/main" id="{64BCBB61-B5D8-4497-8560-B6AF17D4DD94}"/>
-              </a:ext>
-            </a:extLst>
-          </p:cNvPr>
-          <p:cNvSpPr>
-            <a:spLocks noGrp="1"/>
-          </p:cNvSpPr>
-          <p:nvPr>
-            <p:ph idx="1"/>
-          </p:nvPr>
-        </p:nvSpPr>
-        <p:spPr/>
-        <p:txBody>
-          <a:bodyPr/>
-          <a:lstStyle/>
-          <a:p>
-            <a:r>
-              <a:rPr lang="en-AU" dirty="0"/>
-              <a:t>Kernels</a:t>
-            </a:r>
-          </a:p>
-          <a:p>
-            <a:pPr lvl="1"/>
-            <a:r>
-              <a:rPr lang="en-AU" dirty="0"/>
-              <a:t>Identity</a:t>
-            </a:r>
-          </a:p>
-          <a:p>
-            <a:pPr lvl="1"/>
-            <a:r>
-              <a:rPr lang="en-AU" dirty="0"/>
-              <a:t>Low/High pass</a:t>
-            </a:r>
-          </a:p>
-          <a:p>
-            <a:pPr lvl="1"/>
-            <a:r>
-              <a:rPr lang="en-AU" dirty="0"/>
-              <a:t>Edge</a:t>
-            </a:r>
-          </a:p>
-          <a:p>
-            <a:pPr lvl="1"/>
-            <a:r>
-              <a:rPr lang="en-AU" dirty="0"/>
-              <a:t>Sharpen</a:t>
-            </a:r>
-          </a:p>
-          <a:p>
-            <a:r>
-              <a:rPr lang="en-AU" dirty="0"/>
-              <a:t>Convolution</a:t>
-            </a:r>
-          </a:p>
-          <a:p>
-            <a:r>
-              <a:rPr lang="en-AU" dirty="0"/>
-              <a:t>Edge cases</a:t>
-            </a:r>
-          </a:p>
-        </p:txBody>
-      </p:sp>
+              <a:t>Edge Detection</a:t>
+            </a:r>
+          </a:p>
+        </p:txBody>
+      </p:sp>
+      <p:pic>
+        <p:nvPicPr>
+          <p:cNvPr id="2" name="Picture 1">
+            <a:extLst>
+              <a:ext uri="{FF2B5EF4-FFF2-40B4-BE49-F238E27FC236}">
+                <a16:creationId xmlns:a16="http://schemas.microsoft.com/office/drawing/2014/main" id="{EA885E36-153D-4C97-8729-97CB19AF4153}"/>
+              </a:ext>
+            </a:extLst>
+          </p:cNvPr>
+          <p:cNvPicPr>
+            <a:picLocks noChangeAspect="1"/>
+          </p:cNvPicPr>
+          <p:nvPr/>
+        </p:nvPicPr>
+        <p:blipFill rotWithShape="1">
+          <a:blip r:embed="rId2"/>
+          <a:srcRect r="54384"/>
+          <a:stretch/>
+        </p:blipFill>
+        <p:spPr>
+          <a:xfrm>
+            <a:off x="0" y="0"/>
+            <a:ext cx="2108718" cy="1995660"/>
+          </a:xfrm>
+          <a:prstGeom prst="rect">
+            <a:avLst/>
+          </a:prstGeom>
+        </p:spPr>
+      </p:pic>
       <p:pic>
         <p:nvPicPr>
           <p:cNvPr id="5" name="Picture 4">
             <a:extLst>
               <a:ext uri="{FF2B5EF4-FFF2-40B4-BE49-F238E27FC236}">
-                <a16:creationId xmlns:a16="http://schemas.microsoft.com/office/drawing/2014/main" id="{3618696B-C820-4AF7-BF5C-22F045BA486E}"/>
+                <a16:creationId xmlns:a16="http://schemas.microsoft.com/office/drawing/2014/main" id="{9833EBE1-BA19-4F78-8215-1F457B3F1E57}"/>
+              </a:ext>
+            </a:extLst>
+          </p:cNvPr>
+          <p:cNvPicPr>
+            <a:picLocks noChangeAspect="1"/>
+          </p:cNvPicPr>
+          <p:nvPr/>
+        </p:nvPicPr>
+        <p:blipFill rotWithShape="1">
+          <a:blip r:embed="rId3"/>
+          <a:srcRect l="2591" r="-1"/>
+          <a:stretch/>
+        </p:blipFill>
+        <p:spPr>
+          <a:xfrm>
+            <a:off x="8173616" y="1791450"/>
+            <a:ext cx="1744560" cy="924054"/>
+          </a:xfrm>
+          <a:prstGeom prst="rect">
+            <a:avLst/>
+          </a:prstGeom>
+        </p:spPr>
+      </p:pic>
+      <p:pic>
+        <p:nvPicPr>
+          <p:cNvPr id="6" name="Picture 5">
+            <a:extLst>
+              <a:ext uri="{FF2B5EF4-FFF2-40B4-BE49-F238E27FC236}">
+                <a16:creationId xmlns:a16="http://schemas.microsoft.com/office/drawing/2014/main" id="{1E9F6E83-06EE-463B-B428-1EE5FFB22A1E}"/>
               </a:ext>
             </a:extLst>
           </p:cNvPr>
@@ -5825,165 +4619,27 @@
           <p:nvPr/>
         </p:nvPicPr>
         <p:blipFill>
-          <a:blip r:embed="rId2">
-            <a:extLst>
-              <a:ext uri="{28A0092B-C50C-407E-A947-70E740481C1C}">
-                <a14:useLocalDpi xmlns:a14="http://schemas.microsoft.com/office/drawing/2010/main" val="0"/>
-              </a:ext>
-            </a:extLst>
-          </a:blip>
+          <a:blip r:embed="rId4"/>
           <a:stretch>
             <a:fillRect/>
           </a:stretch>
         </p:blipFill>
         <p:spPr>
           <a:xfrm>
-            <a:off x="3822309" y="2089593"/>
-            <a:ext cx="7987136" cy="4236303"/>
+            <a:off x="4973774" y="3867701"/>
+            <a:ext cx="2910592" cy="2806927"/>
           </a:xfrm>
           <a:prstGeom prst="rect">
             <a:avLst/>
           </a:prstGeom>
         </p:spPr>
       </p:pic>
-      <p:sp>
-        <p:nvSpPr>
-          <p:cNvPr id="6" name="Title 1">
-            <a:extLst>
-              <a:ext uri="{FF2B5EF4-FFF2-40B4-BE49-F238E27FC236}">
-                <a16:creationId xmlns:a16="http://schemas.microsoft.com/office/drawing/2014/main" id="{26B98F38-C19F-45BC-90B3-4079E71400ED}"/>
-              </a:ext>
-            </a:extLst>
-          </p:cNvPr>
-          <p:cNvSpPr txBox="1">
-            <a:spLocks/>
-          </p:cNvSpPr>
-          <p:nvPr/>
-        </p:nvSpPr>
-        <p:spPr>
-          <a:xfrm>
-            <a:off x="0" y="1"/>
-            <a:ext cx="12192000" cy="1066800"/>
-          </a:xfrm>
-          <a:prstGeom prst="rect">
-            <a:avLst/>
-          </a:prstGeom>
-        </p:spPr>
-        <p:txBody>
-          <a:bodyPr vert="horz" lIns="91440" tIns="45720" rIns="91440" bIns="45720" rtlCol="0" anchor="ctr">
-            <a:normAutofit/>
-          </a:bodyPr>
-          <a:lstStyle>
-            <a:lvl1pPr algn="l" defTabSz="914400" rtl="0" eaLnBrk="1" latinLnBrk="0" hangingPunct="1">
-              <a:lnSpc>
-                <a:spcPct val="90000"/>
-              </a:lnSpc>
-              <a:spcBef>
-                <a:spcPct val="0"/>
-              </a:spcBef>
-              <a:buNone/>
-              <a:defRPr sz="4400" kern="1200">
-                <a:solidFill>
-                  <a:schemeClr val="tx1"/>
-                </a:solidFill>
-                <a:latin typeface="+mj-lt"/>
-                <a:ea typeface="+mj-ea"/>
-                <a:cs typeface="+mj-cs"/>
-              </a:defRPr>
-            </a:lvl1pPr>
-          </a:lstStyle>
-          <a:p>
-            <a:pPr algn="ctr"/>
-            <a:r>
-              <a:rPr lang="en-AU" b="1" dirty="0"/>
-              <a:t>Image Filtering</a:t>
-            </a:r>
-          </a:p>
-        </p:txBody>
-      </p:sp>
-    </p:spTree>
-    <p:extLst>
-      <p:ext uri="{BB962C8B-B14F-4D97-AF65-F5344CB8AC3E}">
-        <p14:creationId xmlns:p14="http://schemas.microsoft.com/office/powerpoint/2010/main" val="440075565"/>
-      </p:ext>
-    </p:extLst>
-  </p:cSld>
-  <p:clrMapOvr>
-    <a:masterClrMapping/>
-  </p:clrMapOvr>
-</p:sld>
-</file>
-
-<file path=ppt/slides/slide6.xml><?xml version="1.0" encoding="utf-8"?>
-<p:sld xmlns:a="http://schemas.openxmlformats.org/drawingml/2006/main" xmlns:r="http://schemas.openxmlformats.org/officeDocument/2006/relationships" xmlns:p="http://schemas.openxmlformats.org/presentationml/2006/main">
-  <p:cSld>
-    <p:spTree>
-      <p:nvGrpSpPr>
-        <p:cNvPr id="1" name=""/>
-        <p:cNvGrpSpPr/>
-        <p:nvPr/>
-      </p:nvGrpSpPr>
-      <p:grpSpPr>
-        <a:xfrm>
-          <a:off x="0" y="0"/>
-          <a:ext cx="0" cy="0"/>
-          <a:chOff x="0" y="0"/>
-          <a:chExt cx="0" cy="0"/>
-        </a:xfrm>
-      </p:grpSpPr>
-      <p:sp>
-        <p:nvSpPr>
-          <p:cNvPr id="3" name="Content Placeholder 2">
-            <a:extLst>
-              <a:ext uri="{FF2B5EF4-FFF2-40B4-BE49-F238E27FC236}">
-                <a16:creationId xmlns:a16="http://schemas.microsoft.com/office/drawing/2014/main" id="{64BCBB61-B5D8-4497-8560-B6AF17D4DD94}"/>
-              </a:ext>
-            </a:extLst>
-          </p:cNvPr>
-          <p:cNvSpPr>
-            <a:spLocks noGrp="1"/>
-          </p:cNvSpPr>
-          <p:nvPr>
-            <p:ph idx="1"/>
-          </p:nvPr>
-        </p:nvSpPr>
-        <p:spPr/>
-        <p:txBody>
-          <a:bodyPr/>
-          <a:lstStyle/>
-          <a:p>
-            <a:r>
-              <a:rPr lang="en-AU" dirty="0"/>
-              <a:t>High pass filter, Sobel, Canny</a:t>
-            </a:r>
-          </a:p>
-          <a:p>
-            <a:endParaRPr lang="en-AU" dirty="0"/>
-          </a:p>
-          <a:p>
-            <a:r>
-              <a:rPr lang="en-AU" dirty="0"/>
-              <a:t>Driving with Canny</a:t>
-            </a:r>
-          </a:p>
-          <a:p>
-            <a:pPr lvl="1"/>
-            <a:r>
-              <a:rPr lang="en-AU" dirty="0">
-                <a:hlinkClick r:id="rId2"/>
-              </a:rPr>
-              <a:t>https://www.youtube.com/watch?v=EQSl_cPVMBk</a:t>
-            </a:r>
-            <a:endParaRPr lang="en-AU" dirty="0"/>
-          </a:p>
-        </p:txBody>
-      </p:sp>
       <p:pic>
         <p:nvPicPr>
-          <p:cNvPr id="4" name="Picture 3">
-            <a:extLst>
-              <a:ext uri="{FF2B5EF4-FFF2-40B4-BE49-F238E27FC236}">
-                <a16:creationId xmlns:a16="http://schemas.microsoft.com/office/drawing/2014/main" id="{9BE2E030-1C07-4314-9A0D-8C92387E224D}"/>
+          <p:cNvPr id="8" name="Picture 7">
+            <a:extLst>
+              <a:ext uri="{FF2B5EF4-FFF2-40B4-BE49-F238E27FC236}">
+                <a16:creationId xmlns:a16="http://schemas.microsoft.com/office/drawing/2014/main" id="{9CC58AF5-B98D-4546-9029-0D286382951D}"/>
               </a:ext>
             </a:extLst>
           </p:cNvPr>
@@ -5993,78 +4649,311 @@
           <p:nvPr/>
         </p:nvPicPr>
         <p:blipFill>
-          <a:blip r:embed="rId3">
-            <a:extLst>
-              <a:ext uri="{28A0092B-C50C-407E-A947-70E740481C1C}">
-                <a14:useLocalDpi xmlns:a14="http://schemas.microsoft.com/office/drawing/2010/main" val="0"/>
-              </a:ext>
-            </a:extLst>
-          </a:blip>
+          <a:blip r:embed="rId5"/>
           <a:stretch>
             <a:fillRect/>
           </a:stretch>
         </p:blipFill>
         <p:spPr>
           <a:xfrm>
-            <a:off x="6811347" y="4001294"/>
-            <a:ext cx="5380653" cy="2853849"/>
+            <a:off x="2648710" y="5092219"/>
+            <a:ext cx="1200318" cy="676369"/>
           </a:xfrm>
           <a:prstGeom prst="rect">
             <a:avLst/>
           </a:prstGeom>
         </p:spPr>
       </p:pic>
-      <p:sp>
-        <p:nvSpPr>
-          <p:cNvPr id="7" name="Title 1">
-            <a:extLst>
-              <a:ext uri="{FF2B5EF4-FFF2-40B4-BE49-F238E27FC236}">
-                <a16:creationId xmlns:a16="http://schemas.microsoft.com/office/drawing/2014/main" id="{140748D4-1AE8-42E5-8F4E-49B5C01064FF}"/>
-              </a:ext>
-            </a:extLst>
-          </p:cNvPr>
-          <p:cNvSpPr txBox="1">
-            <a:spLocks/>
-          </p:cNvSpPr>
+      <p:pic>
+        <p:nvPicPr>
+          <p:cNvPr id="9" name="Picture 8">
+            <a:extLst>
+              <a:ext uri="{FF2B5EF4-FFF2-40B4-BE49-F238E27FC236}">
+                <a16:creationId xmlns:a16="http://schemas.microsoft.com/office/drawing/2014/main" id="{51D026CE-7972-4DE5-AD74-C73385F55E2A}"/>
+              </a:ext>
+            </a:extLst>
+          </p:cNvPr>
+          <p:cNvPicPr>
+            <a:picLocks noChangeAspect="1"/>
+          </p:cNvPicPr>
           <p:nvPr/>
-        </p:nvSpPr>
-        <p:spPr>
-          <a:xfrm>
-            <a:off x="0" y="1"/>
-            <a:ext cx="12192000" cy="1066800"/>
+        </p:nvPicPr>
+        <p:blipFill>
+          <a:blip r:embed="rId6"/>
+          <a:stretch>
+            <a:fillRect/>
+          </a:stretch>
+        </p:blipFill>
+        <p:spPr>
+          <a:xfrm>
+            <a:off x="0" y="4182513"/>
+            <a:ext cx="2179946" cy="2078318"/>
           </a:xfrm>
           <a:prstGeom prst="rect">
             <a:avLst/>
           </a:prstGeom>
         </p:spPr>
-        <p:txBody>
-          <a:bodyPr vert="horz" lIns="91440" tIns="45720" rIns="91440" bIns="45720" rtlCol="0" anchor="ctr">
-            <a:normAutofit/>
+      </p:pic>
+      <p:pic>
+        <p:nvPicPr>
+          <p:cNvPr id="10" name="Picture 9">
+            <a:extLst>
+              <a:ext uri="{FF2B5EF4-FFF2-40B4-BE49-F238E27FC236}">
+                <a16:creationId xmlns:a16="http://schemas.microsoft.com/office/drawing/2014/main" id="{2F09BA68-E6C5-4E1A-ADBE-B3D3ED12DC36}"/>
+              </a:ext>
+            </a:extLst>
+          </p:cNvPr>
+          <p:cNvPicPr>
+            <a:picLocks noChangeAspect="1"/>
+          </p:cNvPicPr>
+          <p:nvPr/>
+        </p:nvPicPr>
+        <p:blipFill>
+          <a:blip r:embed="rId7"/>
+          <a:stretch>
+            <a:fillRect/>
+          </a:stretch>
+        </p:blipFill>
+        <p:spPr>
+          <a:xfrm>
+            <a:off x="2757118" y="2784039"/>
+            <a:ext cx="1000265" cy="733527"/>
+          </a:xfrm>
+          <a:prstGeom prst="rect">
+            <a:avLst/>
+          </a:prstGeom>
+        </p:spPr>
+      </p:pic>
+      <p:pic>
+        <p:nvPicPr>
+          <p:cNvPr id="11" name="Picture 10">
+            <a:extLst>
+              <a:ext uri="{FF2B5EF4-FFF2-40B4-BE49-F238E27FC236}">
+                <a16:creationId xmlns:a16="http://schemas.microsoft.com/office/drawing/2014/main" id="{64F05E05-7868-4AC2-85FD-11BF2730398F}"/>
+              </a:ext>
+            </a:extLst>
+          </p:cNvPr>
+          <p:cNvPicPr>
+            <a:picLocks noChangeAspect="1"/>
+          </p:cNvPicPr>
+          <p:nvPr/>
+        </p:nvPicPr>
+        <p:blipFill>
+          <a:blip r:embed="rId8"/>
+          <a:stretch>
+            <a:fillRect/>
+          </a:stretch>
+        </p:blipFill>
+        <p:spPr>
+          <a:xfrm>
+            <a:off x="0" y="1922589"/>
+            <a:ext cx="2250323" cy="2225039"/>
+          </a:xfrm>
+          <a:prstGeom prst="rect">
+            <a:avLst/>
+          </a:prstGeom>
+        </p:spPr>
+      </p:pic>
+      <p:pic>
+        <p:nvPicPr>
+          <p:cNvPr id="12" name="Picture 11">
+            <a:extLst>
+              <a:ext uri="{FF2B5EF4-FFF2-40B4-BE49-F238E27FC236}">
+                <a16:creationId xmlns:a16="http://schemas.microsoft.com/office/drawing/2014/main" id="{36E406CD-32DA-40A1-B9D9-8E7D5B120CAA}"/>
+              </a:ext>
+            </a:extLst>
+          </p:cNvPr>
+          <p:cNvPicPr>
+            <a:picLocks noChangeAspect="1"/>
+          </p:cNvPicPr>
+          <p:nvPr/>
+        </p:nvPicPr>
+        <p:blipFill rotWithShape="1">
+          <a:blip r:embed="rId2"/>
+          <a:srcRect l="51402"/>
+          <a:stretch/>
+        </p:blipFill>
+        <p:spPr>
+          <a:xfrm>
+            <a:off x="4880054" y="1024820"/>
+            <a:ext cx="2930944" cy="2603580"/>
+          </a:xfrm>
+          <a:prstGeom prst="rect">
+            <a:avLst/>
+          </a:prstGeom>
+        </p:spPr>
+      </p:pic>
+      <p:sp>
+        <p:nvSpPr>
+          <p:cNvPr id="13" name="TextBox 12">
+            <a:extLst>
+              <a:ext uri="{FF2B5EF4-FFF2-40B4-BE49-F238E27FC236}">
+                <a16:creationId xmlns:a16="http://schemas.microsoft.com/office/drawing/2014/main" id="{5CF0C117-1280-4363-BA66-0409A04A640D}"/>
+              </a:ext>
+            </a:extLst>
+          </p:cNvPr>
+          <p:cNvSpPr txBox="1"/>
+          <p:nvPr/>
+        </p:nvSpPr>
+        <p:spPr>
+          <a:xfrm>
+            <a:off x="8173616" y="5086498"/>
+            <a:ext cx="762260" cy="369332"/>
+          </a:xfrm>
+          <a:prstGeom prst="rect">
+            <a:avLst/>
+          </a:prstGeom>
+          <a:noFill/>
+        </p:spPr>
+        <p:txBody>
+          <a:bodyPr wrap="none" rtlCol="0">
+            <a:spAutoFit/>
           </a:bodyPr>
-          <a:lstStyle>
-            <a:lvl1pPr algn="l" defTabSz="914400" rtl="0" eaLnBrk="1" latinLnBrk="0" hangingPunct="1">
-              <a:lnSpc>
-                <a:spcPct val="90000"/>
-              </a:lnSpc>
-              <a:spcBef>
-                <a:spcPct val="0"/>
-              </a:spcBef>
-              <a:buNone/>
-              <a:defRPr sz="4400" kern="1200">
-                <a:solidFill>
-                  <a:schemeClr val="tx1"/>
-                </a:solidFill>
-                <a:latin typeface="+mj-lt"/>
-                <a:ea typeface="+mj-ea"/>
-                <a:cs typeface="+mj-cs"/>
-              </a:defRPr>
-            </a:lvl1pPr>
-          </a:lstStyle>
-          <a:p>
-            <a:pPr algn="ctr"/>
-            <a:r>
-              <a:rPr lang="en-AU" b="1" dirty="0"/>
-              <a:t>Edge Detection</a:t>
+          <a:lstStyle/>
+          <a:p>
+            <a:r>
+              <a:rPr lang="en-AU" dirty="0"/>
+              <a:t>Canny</a:t>
+            </a:r>
+          </a:p>
+        </p:txBody>
+      </p:sp>
+      <p:sp>
+        <p:nvSpPr>
+          <p:cNvPr id="14" name="TextBox 13">
+            <a:extLst>
+              <a:ext uri="{FF2B5EF4-FFF2-40B4-BE49-F238E27FC236}">
+                <a16:creationId xmlns:a16="http://schemas.microsoft.com/office/drawing/2014/main" id="{9A15CF77-14CF-4883-94B8-6C346E01E392}"/>
+              </a:ext>
+            </a:extLst>
+          </p:cNvPr>
+          <p:cNvSpPr txBox="1"/>
+          <p:nvPr/>
+        </p:nvSpPr>
+        <p:spPr>
+          <a:xfrm>
+            <a:off x="8257507" y="1446821"/>
+            <a:ext cx="1576778" cy="369332"/>
+          </a:xfrm>
+          <a:prstGeom prst="rect">
+            <a:avLst/>
+          </a:prstGeom>
+          <a:noFill/>
+        </p:spPr>
+        <p:txBody>
+          <a:bodyPr wrap="none" rtlCol="0">
+            <a:spAutoFit/>
+          </a:bodyPr>
+          <a:lstStyle/>
+          <a:p>
+            <a:r>
+              <a:rPr lang="en-AU" dirty="0"/>
+              <a:t>High pass filter</a:t>
+            </a:r>
+          </a:p>
+        </p:txBody>
+      </p:sp>
+      <p:sp>
+        <p:nvSpPr>
+          <p:cNvPr id="15" name="TextBox 14">
+            <a:extLst>
+              <a:ext uri="{FF2B5EF4-FFF2-40B4-BE49-F238E27FC236}">
+                <a16:creationId xmlns:a16="http://schemas.microsoft.com/office/drawing/2014/main" id="{C26D07E0-083E-4F22-82AC-E9A3089C1DB9}"/>
+              </a:ext>
+            </a:extLst>
+          </p:cNvPr>
+          <p:cNvSpPr txBox="1"/>
+          <p:nvPr/>
+        </p:nvSpPr>
+        <p:spPr>
+          <a:xfrm>
+            <a:off x="2567004" y="2431110"/>
+            <a:ext cx="1442061" cy="369332"/>
+          </a:xfrm>
+          <a:prstGeom prst="rect">
+            <a:avLst/>
+          </a:prstGeom>
+          <a:noFill/>
+        </p:spPr>
+        <p:txBody>
+          <a:bodyPr wrap="none" rtlCol="0">
+            <a:spAutoFit/>
+          </a:bodyPr>
+          <a:lstStyle/>
+          <a:p>
+            <a:r>
+              <a:rPr lang="en-AU" dirty="0"/>
+              <a:t>Sobel vertical</a:t>
+            </a:r>
+          </a:p>
+        </p:txBody>
+      </p:sp>
+      <p:sp>
+        <p:nvSpPr>
+          <p:cNvPr id="16" name="TextBox 15">
+            <a:extLst>
+              <a:ext uri="{FF2B5EF4-FFF2-40B4-BE49-F238E27FC236}">
+                <a16:creationId xmlns:a16="http://schemas.microsoft.com/office/drawing/2014/main" id="{DBDCB8D0-1E7E-48AB-8800-8CBAF072EA48}"/>
+              </a:ext>
+            </a:extLst>
+          </p:cNvPr>
+          <p:cNvSpPr txBox="1"/>
+          <p:nvPr/>
+        </p:nvSpPr>
+        <p:spPr>
+          <a:xfrm>
+            <a:off x="2400111" y="4617505"/>
+            <a:ext cx="1697516" cy="369332"/>
+          </a:xfrm>
+          <a:prstGeom prst="rect">
+            <a:avLst/>
+          </a:prstGeom>
+          <a:noFill/>
+        </p:spPr>
+        <p:txBody>
+          <a:bodyPr wrap="none" rtlCol="0">
+            <a:spAutoFit/>
+          </a:bodyPr>
+          <a:lstStyle/>
+          <a:p>
+            <a:r>
+              <a:rPr lang="en-AU" dirty="0"/>
+              <a:t>Sobel horizontal</a:t>
+            </a:r>
+          </a:p>
+        </p:txBody>
+      </p:sp>
+      <p:sp>
+        <p:nvSpPr>
+          <p:cNvPr id="17" name="TextBox 16">
+            <a:extLst>
+              <a:ext uri="{FF2B5EF4-FFF2-40B4-BE49-F238E27FC236}">
+                <a16:creationId xmlns:a16="http://schemas.microsoft.com/office/drawing/2014/main" id="{4EF2EE6A-82AA-4B53-BA4B-09D43464CF77}"/>
+              </a:ext>
+            </a:extLst>
+          </p:cNvPr>
+          <p:cNvSpPr txBox="1"/>
+          <p:nvPr/>
+        </p:nvSpPr>
+        <p:spPr>
+          <a:xfrm>
+            <a:off x="2377721" y="813164"/>
+            <a:ext cx="910314" cy="369332"/>
+          </a:xfrm>
+          <a:prstGeom prst="rect">
+            <a:avLst/>
+          </a:prstGeom>
+          <a:noFill/>
+        </p:spPr>
+        <p:txBody>
+          <a:bodyPr wrap="none" rtlCol="0">
+            <a:spAutoFit/>
+          </a:bodyPr>
+          <a:lstStyle/>
+          <a:p>
+            <a:r>
+              <a:rPr lang="en-AU" dirty="0"/>
+              <a:t>Identity</a:t>
             </a:r>
           </a:p>
         </p:txBody>
@@ -6082,7 +4971,7 @@
 </p:sld>
 </file>
 
-<file path=ppt/slides/slide7.xml><?xml version="1.0" encoding="utf-8"?>
+<file path=ppt/slides/slide5.xml><?xml version="1.0" encoding="utf-8"?>
 <p:sld xmlns:a="http://schemas.openxmlformats.org/drawingml/2006/main" xmlns:r="http://schemas.openxmlformats.org/officeDocument/2006/relationships" xmlns:p="http://schemas.openxmlformats.org/presentationml/2006/main">
   <p:cSld>
     <p:spTree>
@@ -6394,7 +5283,7 @@
 </p:sld>
 </file>
 
-<file path=ppt/slides/slide8.xml><?xml version="1.0" encoding="utf-8"?>
+<file path=ppt/slides/slide6.xml><?xml version="1.0" encoding="utf-8"?>
 <p:sld xmlns:a="http://schemas.openxmlformats.org/drawingml/2006/main" xmlns:r="http://schemas.openxmlformats.org/officeDocument/2006/relationships" xmlns:p="http://schemas.openxmlformats.org/presentationml/2006/main">
   <p:cSld>
     <p:spTree>
@@ -6553,6 +5442,312 @@
     <p:extLst>
       <p:ext uri="{BB962C8B-B14F-4D97-AF65-F5344CB8AC3E}">
         <p14:creationId xmlns:p14="http://schemas.microsoft.com/office/powerpoint/2010/main" val="907351156"/>
+      </p:ext>
+    </p:extLst>
+  </p:cSld>
+  <p:clrMapOvr>
+    <a:masterClrMapping/>
+  </p:clrMapOvr>
+</p:sld>
+</file>
+
+<file path=ppt/slides/slide7.xml><?xml version="1.0" encoding="utf-8"?>
+<p:sld xmlns:a="http://schemas.openxmlformats.org/drawingml/2006/main" xmlns:r="http://schemas.openxmlformats.org/officeDocument/2006/relationships" xmlns:p="http://schemas.openxmlformats.org/presentationml/2006/main">
+  <p:cSld>
+    <p:spTree>
+      <p:nvGrpSpPr>
+        <p:cNvPr id="1" name=""/>
+        <p:cNvGrpSpPr/>
+        <p:nvPr/>
+      </p:nvGrpSpPr>
+      <p:grpSpPr>
+        <a:xfrm>
+          <a:off x="0" y="0"/>
+          <a:ext cx="0" cy="0"/>
+          <a:chOff x="0" y="0"/>
+          <a:chExt cx="0" cy="0"/>
+        </a:xfrm>
+      </p:grpSpPr>
+      <p:sp>
+        <p:nvSpPr>
+          <p:cNvPr id="6" name="Title 1">
+            <a:extLst>
+              <a:ext uri="{FF2B5EF4-FFF2-40B4-BE49-F238E27FC236}">
+                <a16:creationId xmlns:a16="http://schemas.microsoft.com/office/drawing/2014/main" id="{CAB622A7-19CE-461D-8B35-26193E381505}"/>
+              </a:ext>
+            </a:extLst>
+          </p:cNvPr>
+          <p:cNvSpPr txBox="1">
+            <a:spLocks/>
+          </p:cNvSpPr>
+          <p:nvPr/>
+        </p:nvSpPr>
+        <p:spPr>
+          <a:xfrm>
+            <a:off x="0" y="1"/>
+            <a:ext cx="12192000" cy="1066800"/>
+          </a:xfrm>
+          <a:prstGeom prst="rect">
+            <a:avLst/>
+          </a:prstGeom>
+        </p:spPr>
+        <p:txBody>
+          <a:bodyPr vert="horz" lIns="91440" tIns="45720" rIns="91440" bIns="45720" rtlCol="0" anchor="ctr">
+            <a:normAutofit/>
+          </a:bodyPr>
+          <a:lstStyle>
+            <a:lvl1pPr algn="l" defTabSz="914400" rtl="0" eaLnBrk="1" latinLnBrk="0" hangingPunct="1">
+              <a:lnSpc>
+                <a:spcPct val="90000"/>
+              </a:lnSpc>
+              <a:spcBef>
+                <a:spcPct val="0"/>
+              </a:spcBef>
+              <a:buNone/>
+              <a:defRPr sz="4400" kern="1200">
+                <a:solidFill>
+                  <a:schemeClr val="tx1"/>
+                </a:solidFill>
+                <a:latin typeface="+mj-lt"/>
+                <a:ea typeface="+mj-ea"/>
+                <a:cs typeface="+mj-cs"/>
+              </a:defRPr>
+            </a:lvl1pPr>
+          </a:lstStyle>
+          <a:p>
+            <a:pPr algn="ctr"/>
+            <a:r>
+              <a:rPr lang="en-AU" b="1" dirty="0"/>
+              <a:t>Histogram based Road Detection</a:t>
+            </a:r>
+          </a:p>
+        </p:txBody>
+      </p:sp>
+      <p:pic>
+        <p:nvPicPr>
+          <p:cNvPr id="2" name="Picture 1">
+            <a:extLst>
+              <a:ext uri="{FF2B5EF4-FFF2-40B4-BE49-F238E27FC236}">
+                <a16:creationId xmlns:a16="http://schemas.microsoft.com/office/drawing/2014/main" id="{EB38802E-5967-4554-BEE4-2759BBACED63}"/>
+              </a:ext>
+            </a:extLst>
+          </p:cNvPr>
+          <p:cNvPicPr>
+            <a:picLocks noChangeAspect="1"/>
+          </p:cNvPicPr>
+          <p:nvPr/>
+        </p:nvPicPr>
+        <p:blipFill>
+          <a:blip r:embed="rId2"/>
+          <a:stretch>
+            <a:fillRect/>
+          </a:stretch>
+        </p:blipFill>
+        <p:spPr>
+          <a:xfrm>
+            <a:off x="681652" y="1066801"/>
+            <a:ext cx="10828695" cy="5377007"/>
+          </a:xfrm>
+          <a:prstGeom prst="rect">
+            <a:avLst/>
+          </a:prstGeom>
+        </p:spPr>
+      </p:pic>
+      <p:sp>
+        <p:nvSpPr>
+          <p:cNvPr id="4" name="TextBox 3">
+            <a:extLst>
+              <a:ext uri="{FF2B5EF4-FFF2-40B4-BE49-F238E27FC236}">
+                <a16:creationId xmlns:a16="http://schemas.microsoft.com/office/drawing/2014/main" id="{45A3FBD2-EE4E-453F-91E9-E82320DA17F9}"/>
+              </a:ext>
+            </a:extLst>
+          </p:cNvPr>
+          <p:cNvSpPr txBox="1"/>
+          <p:nvPr/>
+        </p:nvSpPr>
+        <p:spPr>
+          <a:xfrm>
+            <a:off x="3825690" y="6539168"/>
+            <a:ext cx="4730782" cy="215444"/>
+          </a:xfrm>
+          <a:prstGeom prst="rect">
+            <a:avLst/>
+          </a:prstGeom>
+          <a:noFill/>
+        </p:spPr>
+        <p:txBody>
+          <a:bodyPr wrap="none" rtlCol="0">
+            <a:spAutoFit/>
+          </a:bodyPr>
+          <a:lstStyle/>
+          <a:p>
+            <a:r>
+              <a:rPr lang="en-AU" sz="800" dirty="0"/>
+              <a:t>From: </a:t>
+            </a:r>
+            <a:r>
+              <a:rPr lang="en-AU" sz="800" dirty="0">
+                <a:hlinkClick r:id="rId3"/>
+              </a:rPr>
+              <a:t>https://www.wavemetrics.com/products/igorpro/imageprocessing/imagetransforms/histmodification</a:t>
+            </a:r>
+            <a:endParaRPr lang="en-AU" sz="800" dirty="0"/>
+          </a:p>
+        </p:txBody>
+      </p:sp>
+    </p:spTree>
+    <p:extLst>
+      <p:ext uri="{BB962C8B-B14F-4D97-AF65-F5344CB8AC3E}">
+        <p14:creationId xmlns:p14="http://schemas.microsoft.com/office/powerpoint/2010/main" val="878925007"/>
+      </p:ext>
+    </p:extLst>
+  </p:cSld>
+  <p:clrMapOvr>
+    <a:masterClrMapping/>
+  </p:clrMapOvr>
+</p:sld>
+</file>
+
+<file path=ppt/slides/slide8.xml><?xml version="1.0" encoding="utf-8"?>
+<p:sld xmlns:a="http://schemas.openxmlformats.org/drawingml/2006/main" xmlns:r="http://schemas.openxmlformats.org/officeDocument/2006/relationships" xmlns:p="http://schemas.openxmlformats.org/presentationml/2006/main">
+  <p:cSld>
+    <p:spTree>
+      <p:nvGrpSpPr>
+        <p:cNvPr id="1" name=""/>
+        <p:cNvGrpSpPr/>
+        <p:nvPr/>
+      </p:nvGrpSpPr>
+      <p:grpSpPr>
+        <a:xfrm>
+          <a:off x="0" y="0"/>
+          <a:ext cx="0" cy="0"/>
+          <a:chOff x="0" y="0"/>
+          <a:chExt cx="0" cy="0"/>
+        </a:xfrm>
+      </p:grpSpPr>
+      <p:sp>
+        <p:nvSpPr>
+          <p:cNvPr id="3" name="Content Placeholder 2">
+            <a:extLst>
+              <a:ext uri="{FF2B5EF4-FFF2-40B4-BE49-F238E27FC236}">
+                <a16:creationId xmlns:a16="http://schemas.microsoft.com/office/drawing/2014/main" id="{64BCBB61-B5D8-4497-8560-B6AF17D4DD94}"/>
+              </a:ext>
+            </a:extLst>
+          </p:cNvPr>
+          <p:cNvSpPr>
+            <a:spLocks noGrp="1"/>
+          </p:cNvSpPr>
+          <p:nvPr>
+            <p:ph idx="1"/>
+          </p:nvPr>
+        </p:nvSpPr>
+        <p:spPr/>
+        <p:txBody>
+          <a:bodyPr/>
+          <a:lstStyle/>
+          <a:p>
+            <a:r>
+              <a:rPr lang="en-AU" dirty="0"/>
+              <a:t>Appendix C</a:t>
+            </a:r>
+          </a:p>
+        </p:txBody>
+      </p:sp>
+      <p:pic>
+        <p:nvPicPr>
+          <p:cNvPr id="7" name="Picture 6" descr="A close up of a map&#10;&#10;Description automatically generated">
+            <a:extLst>
+              <a:ext uri="{FF2B5EF4-FFF2-40B4-BE49-F238E27FC236}">
+                <a16:creationId xmlns:a16="http://schemas.microsoft.com/office/drawing/2014/main" id="{91ACAD90-8A10-45B0-BD92-70662CEC8E27}"/>
+              </a:ext>
+            </a:extLst>
+          </p:cNvPr>
+          <p:cNvPicPr>
+            <a:picLocks noChangeAspect="1"/>
+          </p:cNvPicPr>
+          <p:nvPr/>
+        </p:nvPicPr>
+        <p:blipFill>
+          <a:blip r:embed="rId2">
+            <a:extLst>
+              <a:ext uri="{28A0092B-C50C-407E-A947-70E740481C1C}">
+                <a14:useLocalDpi xmlns:a14="http://schemas.microsoft.com/office/drawing/2010/main" val="0"/>
+              </a:ext>
+            </a:extLst>
+          </a:blip>
+          <a:stretch>
+            <a:fillRect/>
+          </a:stretch>
+        </p:blipFill>
+        <p:spPr>
+          <a:xfrm>
+            <a:off x="3554964" y="2035839"/>
+            <a:ext cx="7880737" cy="4457036"/>
+          </a:xfrm>
+          <a:prstGeom prst="rect">
+            <a:avLst/>
+          </a:prstGeom>
+        </p:spPr>
+      </p:pic>
+      <p:sp>
+        <p:nvSpPr>
+          <p:cNvPr id="10" name="Title 1">
+            <a:extLst>
+              <a:ext uri="{FF2B5EF4-FFF2-40B4-BE49-F238E27FC236}">
+                <a16:creationId xmlns:a16="http://schemas.microsoft.com/office/drawing/2014/main" id="{7F2EAB40-8CCE-4B72-AA94-DC304EC59C0B}"/>
+              </a:ext>
+            </a:extLst>
+          </p:cNvPr>
+          <p:cNvSpPr txBox="1">
+            <a:spLocks/>
+          </p:cNvSpPr>
+          <p:nvPr/>
+        </p:nvSpPr>
+        <p:spPr>
+          <a:xfrm>
+            <a:off x="0" y="1"/>
+            <a:ext cx="12192000" cy="1066800"/>
+          </a:xfrm>
+          <a:prstGeom prst="rect">
+            <a:avLst/>
+          </a:prstGeom>
+        </p:spPr>
+        <p:txBody>
+          <a:bodyPr vert="horz" lIns="91440" tIns="45720" rIns="91440" bIns="45720" rtlCol="0" anchor="ctr">
+            <a:normAutofit/>
+          </a:bodyPr>
+          <a:lstStyle>
+            <a:lvl1pPr algn="l" defTabSz="914400" rtl="0" eaLnBrk="1" latinLnBrk="0" hangingPunct="1">
+              <a:lnSpc>
+                <a:spcPct val="90000"/>
+              </a:lnSpc>
+              <a:spcBef>
+                <a:spcPct val="0"/>
+              </a:spcBef>
+              <a:buNone/>
+              <a:defRPr sz="4400" kern="1200">
+                <a:solidFill>
+                  <a:schemeClr val="tx1"/>
+                </a:solidFill>
+                <a:latin typeface="+mj-lt"/>
+                <a:ea typeface="+mj-ea"/>
+                <a:cs typeface="+mj-cs"/>
+              </a:defRPr>
+            </a:lvl1pPr>
+          </a:lstStyle>
+          <a:p>
+            <a:pPr algn="ctr"/>
+            <a:r>
+              <a:rPr lang="en-AU" b="1" dirty="0"/>
+              <a:t>Curved lane edge detection</a:t>
+            </a:r>
+          </a:p>
+        </p:txBody>
+      </p:sp>
+    </p:spTree>
+    <p:extLst>
+      <p:ext uri="{BB962C8B-B14F-4D97-AF65-F5344CB8AC3E}">
+        <p14:creationId xmlns:p14="http://schemas.microsoft.com/office/powerpoint/2010/main" val="2576891122"/>
       </p:ext>
     </p:extLst>
   </p:cSld>
@@ -6581,68 +5776,72 @@
       </p:grpSpPr>
       <p:sp>
         <p:nvSpPr>
-          <p:cNvPr id="3" name="Content Placeholder 2">
-            <a:extLst>
-              <a:ext uri="{FF2B5EF4-FFF2-40B4-BE49-F238E27FC236}">
-                <a16:creationId xmlns:a16="http://schemas.microsoft.com/office/drawing/2014/main" id="{64BCBB61-B5D8-4497-8560-B6AF17D4DD94}"/>
-              </a:ext>
-            </a:extLst>
-          </p:cNvPr>
-          <p:cNvSpPr>
-            <a:spLocks noGrp="1"/>
-          </p:cNvSpPr>
-          <p:nvPr>
-            <p:ph idx="1"/>
-          </p:nvPr>
-        </p:nvSpPr>
-        <p:spPr/>
-        <p:txBody>
-          <a:bodyPr/>
-          <a:lstStyle/>
-          <a:p>
-            <a:r>
-              <a:rPr lang="en-AU" dirty="0"/>
-              <a:t>Initial</a:t>
-            </a:r>
-          </a:p>
-          <a:p>
-            <a:pPr lvl="1"/>
-            <a:r>
-              <a:rPr lang="en-AU" dirty="0">
-                <a:hlinkClick r:id="rId2"/>
-              </a:rPr>
-              <a:t>https://www.youtube.com/watch?v=puBFjQstAj4</a:t>
-            </a:r>
+          <p:cNvPr id="2" name="TextBox 1">
+            <a:extLst>
+              <a:ext uri="{FF2B5EF4-FFF2-40B4-BE49-F238E27FC236}">
+                <a16:creationId xmlns:a16="http://schemas.microsoft.com/office/drawing/2014/main" id="{0C888D65-87C0-432B-B064-938A76A8DE93}"/>
+              </a:ext>
+            </a:extLst>
+          </p:cNvPr>
+          <p:cNvSpPr txBox="1"/>
+          <p:nvPr/>
+        </p:nvSpPr>
+        <p:spPr>
+          <a:xfrm>
+            <a:off x="2919368" y="2667698"/>
+            <a:ext cx="8548381" cy="369332"/>
+          </a:xfrm>
+          <a:prstGeom prst="rect">
+            <a:avLst/>
+          </a:prstGeom>
+          <a:noFill/>
+        </p:spPr>
+        <p:txBody>
+          <a:bodyPr wrap="square" rtlCol="0">
+            <a:spAutoFit/>
+          </a:bodyPr>
+          <a:lstStyle/>
+          <a:p>
             <a:endParaRPr lang="en-AU" dirty="0"/>
           </a:p>
-          <a:p>
-            <a:r>
-              <a:rPr lang="en-AU" dirty="0"/>
-              <a:t>Averaged</a:t>
-            </a:r>
-          </a:p>
-          <a:p>
-            <a:pPr lvl="1"/>
-            <a:r>
-              <a:rPr lang="en-AU" dirty="0">
-                <a:hlinkClick r:id="rId3"/>
-              </a:rPr>
-              <a:t>https://www.youtube.com/watch?v=oc6sZblH1bw</a:t>
-            </a:r>
-            <a:endParaRPr lang="en-AU" dirty="0"/>
-          </a:p>
-          <a:p>
-            <a:pPr lvl="1"/>
-            <a:endParaRPr lang="en-AU" dirty="0"/>
-          </a:p>
-        </p:txBody>
-      </p:sp>
-      <p:sp>
-        <p:nvSpPr>
-          <p:cNvPr id="6" name="Title 1">
-            <a:extLst>
-              <a:ext uri="{FF2B5EF4-FFF2-40B4-BE49-F238E27FC236}">
-                <a16:creationId xmlns:a16="http://schemas.microsoft.com/office/drawing/2014/main" id="{F099C405-12A9-436D-BF9A-CF0FA1781750}"/>
+        </p:txBody>
+      </p:sp>
+      <p:pic>
+        <p:nvPicPr>
+          <p:cNvPr id="5" name="Picture 4">
+            <a:extLst>
+              <a:ext uri="{FF2B5EF4-FFF2-40B4-BE49-F238E27FC236}">
+                <a16:creationId xmlns:a16="http://schemas.microsoft.com/office/drawing/2014/main" id="{32EEF904-8330-4C7C-8C46-6E45EE4B86FA}"/>
+              </a:ext>
+            </a:extLst>
+          </p:cNvPr>
+          <p:cNvPicPr>
+            <a:picLocks noChangeAspect="1"/>
+          </p:cNvPicPr>
+          <p:nvPr/>
+        </p:nvPicPr>
+        <p:blipFill>
+          <a:blip r:embed="rId2"/>
+          <a:stretch>
+            <a:fillRect/>
+          </a:stretch>
+        </p:blipFill>
+        <p:spPr>
+          <a:xfrm>
+            <a:off x="93307" y="1057938"/>
+            <a:ext cx="12098694" cy="5800061"/>
+          </a:xfrm>
+          <a:prstGeom prst="rect">
+            <a:avLst/>
+          </a:prstGeom>
+        </p:spPr>
+      </p:pic>
+      <p:sp>
+        <p:nvSpPr>
+          <p:cNvPr id="7" name="Title 1">
+            <a:extLst>
+              <a:ext uri="{FF2B5EF4-FFF2-40B4-BE49-F238E27FC236}">
+                <a16:creationId xmlns:a16="http://schemas.microsoft.com/office/drawing/2014/main" id="{2AB7ED50-33CD-4B1D-A321-1F528259CABA}"/>
               </a:ext>
             </a:extLst>
           </p:cNvPr>
@@ -6653,7 +5852,7 @@
         </p:nvSpPr>
         <p:spPr>
           <a:xfrm>
-            <a:off x="0" y="1"/>
+            <a:off x="0" y="-117445"/>
             <a:ext cx="12192000" cy="1066800"/>
           </a:xfrm>
           <a:prstGeom prst="rect">
@@ -6687,7 +5886,7 @@
             <a:pPr algn="ctr"/>
             <a:r>
               <a:rPr lang="en-AU" b="1" dirty="0"/>
-              <a:t>Hough based Road Detection</a:t>
+              <a:t>Mapping data (OSM, Google maps)</a:t>
             </a:r>
           </a:p>
         </p:txBody>
@@ -6695,7 +5894,7 @@
     </p:spTree>
     <p:extLst>
       <p:ext uri="{BB962C8B-B14F-4D97-AF65-F5344CB8AC3E}">
-        <p14:creationId xmlns:p14="http://schemas.microsoft.com/office/powerpoint/2010/main" val="1405784041"/>
+        <p14:creationId xmlns:p14="http://schemas.microsoft.com/office/powerpoint/2010/main" val="2194228787"/>
       </p:ext>
     </p:extLst>
   </p:cSld>
